--- a/IHP_2024/20240418/20240418小島光.pptx
+++ b/IHP_2024/20240418/20240418小島光.pptx
@@ -5,7 +5,7 @@
     <p:sldMasterId id="2147483648" r:id="rId1"/>
   </p:sldMasterIdLst>
   <p:notesMasterIdLst>
-    <p:notesMasterId r:id="rId10"/>
+    <p:notesMasterId r:id="rId11"/>
   </p:notesMasterIdLst>
   <p:sldIdLst>
     <p:sldId id="256" r:id="rId2"/>
@@ -16,6 +16,7 @@
     <p:sldId id="267" r:id="rId7"/>
     <p:sldId id="260" r:id="rId8"/>
     <p:sldId id="268" r:id="rId9"/>
+    <p:sldId id="270" r:id="rId10"/>
   </p:sldIdLst>
   <p:sldSz cx="12192000" cy="6858000"/>
   <p:notesSz cx="6858000" cy="9144000"/>
@@ -204,7 +205,7 @@
           <a:p>
             <a:fld id="{F8456487-DC86-474A-B4EE-F658698A396D}" type="datetimeFigureOut">
               <a:rPr kumimoji="1" lang="ja-JP" altLang="en-US" smtClean="0"/>
-              <a:t>2024/4/17</a:t>
+              <a:t>2024/4/18</a:t>
             </a:fld>
             <a:endParaRPr kumimoji="1" lang="ja-JP" altLang="en-US"/>
           </a:p>
@@ -5306,8 +5307,8 @@
           </a:prstGeom>
         </p:spPr>
       </p:pic>
-      <mc:AlternateContent xmlns:mc="http://schemas.openxmlformats.org/markup-compatibility/2006">
-        <mc:Choice xmlns:a14="http://schemas.microsoft.com/office/drawing/2010/main" Requires="a14">
+      <mc:AlternateContent xmlns:mc="http://schemas.openxmlformats.org/markup-compatibility/2006" xmlns:a14="http://schemas.microsoft.com/office/drawing/2010/main">
+        <mc:Choice Requires="a14">
           <p:sp>
             <p:nvSpPr>
               <p:cNvPr id="8" name="テキスト ボックス 7">
@@ -5418,6 +5419,7 @@
                 <a:endParaRPr lang="en-US" altLang="ja-JP" dirty="0"/>
               </a:p>
               <a:p>
+                <a:pPr/>
                 <a14:m>
                   <m:oMathPara xmlns:m="http://schemas.openxmlformats.org/officeDocument/2006/math">
                     <m:oMathParaPr>
@@ -5451,6 +5453,7 @@
                 <a:endParaRPr kumimoji="1" lang="en-US" altLang="ja-JP" dirty="0"/>
               </a:p>
               <a:p>
+                <a:pPr/>
                 <a14:m>
                   <m:oMathPara xmlns:m="http://schemas.openxmlformats.org/officeDocument/2006/math">
                     <m:oMathParaPr>
@@ -5484,6 +5487,7 @@
                 <a:endParaRPr kumimoji="1" lang="en-US" altLang="ja-JP" b="0" dirty="0"/>
               </a:p>
               <a:p>
+                <a:pPr/>
                 <a14:m>
                   <m:oMathPara xmlns:m="http://schemas.openxmlformats.org/officeDocument/2006/math">
                     <m:oMathParaPr>
@@ -5519,7 +5523,7 @@
             </p:txBody>
           </p:sp>
         </mc:Choice>
-        <mc:Fallback>
+        <mc:Fallback xmlns="">
           <p:sp>
             <p:nvSpPr>
               <p:cNvPr id="8" name="テキスト ボックス 7">
@@ -5839,8 +5843,8 @@
           </a:fontRef>
         </p:style>
       </p:cxnSp>
-      <mc:AlternateContent xmlns:mc="http://schemas.openxmlformats.org/markup-compatibility/2006">
-        <mc:Choice xmlns:a14="http://schemas.microsoft.com/office/drawing/2010/main" Requires="a14">
+      <mc:AlternateContent xmlns:mc="http://schemas.openxmlformats.org/markup-compatibility/2006" xmlns:a14="http://schemas.microsoft.com/office/drawing/2010/main">
+        <mc:Choice Requires="a14">
           <p:sp>
             <p:nvSpPr>
               <p:cNvPr id="16" name="テキスト ボックス 15">
@@ -6195,7 +6199,7 @@
             </p:txBody>
           </p:sp>
         </mc:Choice>
-        <mc:Fallback>
+        <mc:Fallback xmlns="">
           <p:sp>
             <p:nvSpPr>
               <p:cNvPr id="16" name="テキスト ボックス 15">
@@ -6461,8 +6465,8 @@
             </a:prstGeom>
           </p:spPr>
         </p:pic>
-        <mc:AlternateContent xmlns:mc="http://schemas.openxmlformats.org/markup-compatibility/2006">
-          <mc:Choice xmlns:a14="http://schemas.microsoft.com/office/drawing/2010/main" Requires="a14">
+        <mc:AlternateContent xmlns:mc="http://schemas.openxmlformats.org/markup-compatibility/2006" xmlns:a14="http://schemas.microsoft.com/office/drawing/2010/main">
+          <mc:Choice Requires="a14">
             <p:sp>
               <p:nvSpPr>
                 <p:cNvPr id="10" name="テキスト ボックス 9">
@@ -6521,7 +6525,7 @@
               </p:txBody>
             </p:sp>
           </mc:Choice>
-          <mc:Fallback>
+          <mc:Fallback xmlns="">
             <p:sp>
               <p:nvSpPr>
                 <p:cNvPr id="10" name="テキスト ボックス 9">
@@ -6566,8 +6570,8 @@
             </p:sp>
           </mc:Fallback>
         </mc:AlternateContent>
-        <mc:AlternateContent xmlns:mc="http://schemas.openxmlformats.org/markup-compatibility/2006">
-          <mc:Choice xmlns:a14="http://schemas.microsoft.com/office/drawing/2010/main" Requires="a14">
+        <mc:AlternateContent xmlns:mc="http://schemas.openxmlformats.org/markup-compatibility/2006" xmlns:a14="http://schemas.microsoft.com/office/drawing/2010/main">
+          <mc:Choice Requires="a14">
             <p:sp>
               <p:nvSpPr>
                 <p:cNvPr id="11" name="テキスト ボックス 10">
@@ -6632,7 +6636,7 @@
               </p:txBody>
             </p:sp>
           </mc:Choice>
-          <mc:Fallback>
+          <mc:Fallback xmlns="">
             <p:sp>
               <p:nvSpPr>
                 <p:cNvPr id="11" name="テキスト ボックス 10">
@@ -6677,8 +6681,8 @@
             </p:sp>
           </mc:Fallback>
         </mc:AlternateContent>
-        <mc:AlternateContent xmlns:mc="http://schemas.openxmlformats.org/markup-compatibility/2006">
-          <mc:Choice xmlns:a14="http://schemas.microsoft.com/office/drawing/2010/main" Requires="a14">
+        <mc:AlternateContent xmlns:mc="http://schemas.openxmlformats.org/markup-compatibility/2006" xmlns:a14="http://schemas.microsoft.com/office/drawing/2010/main">
+          <mc:Choice Requires="a14">
             <p:sp>
               <p:nvSpPr>
                 <p:cNvPr id="12" name="テキスト ボックス 11">
@@ -6743,7 +6747,7 @@
               </p:txBody>
             </p:sp>
           </mc:Choice>
-          <mc:Fallback>
+          <mc:Fallback xmlns="">
             <p:sp>
               <p:nvSpPr>
                 <p:cNvPr id="12" name="テキスト ボックス 11">
@@ -6788,8 +6792,8 @@
             </p:sp>
           </mc:Fallback>
         </mc:AlternateContent>
-        <mc:AlternateContent xmlns:mc="http://schemas.openxmlformats.org/markup-compatibility/2006">
-          <mc:Choice xmlns:a14="http://schemas.microsoft.com/office/drawing/2010/main" Requires="a14">
+        <mc:AlternateContent xmlns:mc="http://schemas.openxmlformats.org/markup-compatibility/2006" xmlns:a14="http://schemas.microsoft.com/office/drawing/2010/main">
+          <mc:Choice Requires="a14">
             <p:sp>
               <p:nvSpPr>
                 <p:cNvPr id="13" name="テキスト ボックス 12">
@@ -6854,7 +6858,7 @@
               </p:txBody>
             </p:sp>
           </mc:Choice>
-          <mc:Fallback>
+          <mc:Fallback xmlns="">
             <p:sp>
               <p:nvSpPr>
                 <p:cNvPr id="13" name="テキスト ボックス 12">
@@ -6899,8 +6903,8 @@
             </p:sp>
           </mc:Fallback>
         </mc:AlternateContent>
-        <mc:AlternateContent xmlns:mc="http://schemas.openxmlformats.org/markup-compatibility/2006">
-          <mc:Choice xmlns:a14="http://schemas.microsoft.com/office/drawing/2010/main" Requires="a14">
+        <mc:AlternateContent xmlns:mc="http://schemas.openxmlformats.org/markup-compatibility/2006" xmlns:a14="http://schemas.microsoft.com/office/drawing/2010/main">
+          <mc:Choice Requires="a14">
             <p:sp>
               <p:nvSpPr>
                 <p:cNvPr id="14" name="テキスト ボックス 13">
@@ -6959,7 +6963,7 @@
               </p:txBody>
             </p:sp>
           </mc:Choice>
-          <mc:Fallback>
+          <mc:Fallback xmlns="">
             <p:sp>
               <p:nvSpPr>
                 <p:cNvPr id="14" name="テキスト ボックス 13">
@@ -7004,8 +7008,8 @@
             </p:sp>
           </mc:Fallback>
         </mc:AlternateContent>
-        <mc:AlternateContent xmlns:mc="http://schemas.openxmlformats.org/markup-compatibility/2006">
-          <mc:Choice xmlns:a14="http://schemas.microsoft.com/office/drawing/2010/main" Requires="a14">
+        <mc:AlternateContent xmlns:mc="http://schemas.openxmlformats.org/markup-compatibility/2006" xmlns:a14="http://schemas.microsoft.com/office/drawing/2010/main">
+          <mc:Choice Requires="a14">
             <p:sp>
               <p:nvSpPr>
                 <p:cNvPr id="16" name="テキスト ボックス 15">
@@ -7074,7 +7078,7 @@
               </p:txBody>
             </p:sp>
           </mc:Choice>
-          <mc:Fallback>
+          <mc:Fallback xmlns="">
             <p:sp>
               <p:nvSpPr>
                 <p:cNvPr id="16" name="テキスト ボックス 15">
@@ -7861,6 +7865,289 @@
     <p:extLst>
       <p:ext uri="{BB962C8B-B14F-4D97-AF65-F5344CB8AC3E}">
         <p14:creationId xmlns:p14="http://schemas.microsoft.com/office/powerpoint/2010/main" val="2861911150"/>
+      </p:ext>
+    </p:extLst>
+  </p:cSld>
+  <p:clrMapOvr>
+    <a:masterClrMapping/>
+  </p:clrMapOvr>
+</p:sld>
+</file>
+
+<file path=ppt/slides/slide9.xml><?xml version="1.0" encoding="utf-8"?>
+<p:sld xmlns:a="http://schemas.openxmlformats.org/drawingml/2006/main" xmlns:r="http://schemas.openxmlformats.org/officeDocument/2006/relationships" xmlns:p="http://schemas.openxmlformats.org/presentationml/2006/main">
+  <p:cSld>
+    <p:spTree>
+      <p:nvGrpSpPr>
+        <p:cNvPr id="1" name=""/>
+        <p:cNvGrpSpPr/>
+        <p:nvPr/>
+      </p:nvGrpSpPr>
+      <p:grpSpPr>
+        <a:xfrm>
+          <a:off x="0" y="0"/>
+          <a:ext cx="0" cy="0"/>
+          <a:chOff x="0" y="0"/>
+          <a:chExt cx="0" cy="0"/>
+        </a:xfrm>
+      </p:grpSpPr>
+      <mc:AlternateContent xmlns:mc="http://schemas.openxmlformats.org/markup-compatibility/2006">
+        <mc:Choice xmlns:a14="http://schemas.microsoft.com/office/drawing/2010/main" Requires="a14">
+          <p:sp>
+            <p:nvSpPr>
+              <p:cNvPr id="2" name="タイトル 1">
+                <a:extLst>
+                  <a:ext uri="{FF2B5EF4-FFF2-40B4-BE49-F238E27FC236}">
+                    <a16:creationId xmlns:a16="http://schemas.microsoft.com/office/drawing/2014/main" id="{BD19DC20-658A-2064-94E3-57577CAF4C19}"/>
+                  </a:ext>
+                </a:extLst>
+              </p:cNvPr>
+              <p:cNvSpPr>
+                <a:spLocks noGrp="1"/>
+              </p:cNvSpPr>
+              <p:nvPr>
+                <p:ph type="title"/>
+              </p:nvPr>
+            </p:nvSpPr>
+            <p:spPr/>
+            <p:txBody>
+              <a:bodyPr/>
+              <a:lstStyle/>
+              <a:p>
+                <a14:m>
+                  <m:oMath xmlns:m="http://schemas.openxmlformats.org/officeDocument/2006/math">
+                    <m:sSub>
+                      <m:sSubPr>
+                        <m:ctrlPr>
+                          <a:rPr kumimoji="1" lang="en-US" altLang="ja-JP" b="1" i="1" smtClean="0">
+                            <a:latin typeface="Cambria Math" panose="02040503050406030204" pitchFamily="18" charset="0"/>
+                          </a:rPr>
+                        </m:ctrlPr>
+                      </m:sSubPr>
+                      <m:e>
+                        <m:r>
+                          <a:rPr kumimoji="1" lang="en-US" altLang="ja-JP" b="1" i="1" smtClean="0">
+                            <a:latin typeface="Cambria Math" panose="02040503050406030204" pitchFamily="18" charset="0"/>
+                          </a:rPr>
+                          <m:t>𝑰</m:t>
+                        </m:r>
+                      </m:e>
+                      <m:sub>
+                        <m:r>
+                          <a:rPr kumimoji="1" lang="en-US" altLang="ja-JP" b="1" i="1" smtClean="0">
+                            <a:latin typeface="Cambria Math" panose="02040503050406030204" pitchFamily="18" charset="0"/>
+                          </a:rPr>
+                          <m:t>𝑪</m:t>
+                        </m:r>
+                      </m:sub>
+                    </m:sSub>
+                    <m:r>
+                      <a:rPr kumimoji="1" lang="en-US" altLang="ja-JP" b="1" i="1" smtClean="0">
+                        <a:latin typeface="Cambria Math" panose="02040503050406030204" pitchFamily="18" charset="0"/>
+                      </a:rPr>
+                      <m:t>−</m:t>
+                    </m:r>
+                    <m:sSub>
+                      <m:sSubPr>
+                        <m:ctrlPr>
+                          <a:rPr kumimoji="1" lang="en-US" altLang="ja-JP" b="1" i="1" smtClean="0">
+                            <a:latin typeface="Cambria Math" panose="02040503050406030204" pitchFamily="18" charset="0"/>
+                          </a:rPr>
+                        </m:ctrlPr>
+                      </m:sSubPr>
+                      <m:e>
+                        <m:r>
+                          <a:rPr kumimoji="1" lang="en-US" altLang="ja-JP" b="1" i="1" smtClean="0">
+                            <a:latin typeface="Cambria Math" panose="02040503050406030204" pitchFamily="18" charset="0"/>
+                          </a:rPr>
+                          <m:t>𝑽</m:t>
+                        </m:r>
+                      </m:e>
+                      <m:sub>
+                        <m:r>
+                          <a:rPr kumimoji="1" lang="en-US" altLang="ja-JP" b="1" i="1" smtClean="0">
+                            <a:latin typeface="Cambria Math" panose="02040503050406030204" pitchFamily="18" charset="0"/>
+                          </a:rPr>
+                          <m:t>𝑩𝑬</m:t>
+                        </m:r>
+                      </m:sub>
+                    </m:sSub>
+                  </m:oMath>
+                </a14:m>
+                <a:r>
+                  <a:rPr kumimoji="1" lang="ja-JP" altLang="en-US" dirty="0"/>
+                  <a:t>特性</a:t>
+                </a:r>
+              </a:p>
+            </p:txBody>
+          </p:sp>
+        </mc:Choice>
+        <mc:Fallback>
+          <p:sp>
+            <p:nvSpPr>
+              <p:cNvPr id="2" name="タイトル 1">
+                <a:extLst>
+                  <a:ext uri="{FF2B5EF4-FFF2-40B4-BE49-F238E27FC236}">
+                    <a16:creationId xmlns:a16="http://schemas.microsoft.com/office/drawing/2014/main" id="{BD19DC20-658A-2064-94E3-57577CAF4C19}"/>
+                  </a:ext>
+                </a:extLst>
+              </p:cNvPr>
+              <p:cNvSpPr>
+                <a:spLocks noGrp="1" noRot="1" noChangeAspect="1" noMove="1" noResize="1" noEditPoints="1" noAdjustHandles="1" noChangeArrowheads="1" noChangeShapeType="1" noTextEdit="1"/>
+              </p:cNvSpPr>
+              <p:nvPr>
+                <p:ph type="title"/>
+              </p:nvPr>
+            </p:nvSpPr>
+            <p:spPr>
+              <a:blipFill>
+                <a:blip r:embed="rId2"/>
+                <a:stretch>
+                  <a:fillRect t="-11628" b="-24806"/>
+                </a:stretch>
+              </a:blipFill>
+            </p:spPr>
+            <p:txBody>
+              <a:bodyPr/>
+              <a:lstStyle/>
+              <a:p>
+                <a:r>
+                  <a:rPr lang="ja-JP" altLang="en-US">
+                    <a:noFill/>
+                  </a:rPr>
+                  <a:t> </a:t>
+                </a:r>
+              </a:p>
+            </p:txBody>
+          </p:sp>
+        </mc:Fallback>
+      </mc:AlternateContent>
+      <p:sp>
+        <p:nvSpPr>
+          <p:cNvPr id="3" name="日付プレースホルダー 2">
+            <a:extLst>
+              <a:ext uri="{FF2B5EF4-FFF2-40B4-BE49-F238E27FC236}">
+                <a16:creationId xmlns:a16="http://schemas.microsoft.com/office/drawing/2014/main" id="{EDC95965-99A5-4290-D57E-3A2779438700}"/>
+              </a:ext>
+            </a:extLst>
+          </p:cNvPr>
+          <p:cNvSpPr>
+            <a:spLocks noGrp="1"/>
+          </p:cNvSpPr>
+          <p:nvPr>
+            <p:ph type="dt" sz="half" idx="10"/>
+          </p:nvPr>
+        </p:nvSpPr>
+        <p:spPr/>
+        <p:txBody>
+          <a:bodyPr/>
+          <a:lstStyle/>
+          <a:p>
+            <a:fld id="{D960D7A0-95E9-4E80-AEE1-2416C3BC5BFF}" type="datetime1">
+              <a:rPr kumimoji="1" lang="ja-JP" altLang="en-US" smtClean="0"/>
+              <a:t>2024/4/18</a:t>
+            </a:fld>
+            <a:endParaRPr kumimoji="1" lang="ja-JP" altLang="en-US"/>
+          </a:p>
+        </p:txBody>
+      </p:sp>
+      <p:sp>
+        <p:nvSpPr>
+          <p:cNvPr id="4" name="スライド番号プレースホルダー 3">
+            <a:extLst>
+              <a:ext uri="{FF2B5EF4-FFF2-40B4-BE49-F238E27FC236}">
+                <a16:creationId xmlns:a16="http://schemas.microsoft.com/office/drawing/2014/main" id="{96ED5FD6-F76D-3094-8B03-0187FC1E22AF}"/>
+              </a:ext>
+            </a:extLst>
+          </p:cNvPr>
+          <p:cNvSpPr>
+            <a:spLocks noGrp="1"/>
+          </p:cNvSpPr>
+          <p:nvPr>
+            <p:ph type="sldNum" sz="quarter" idx="12"/>
+          </p:nvPr>
+        </p:nvSpPr>
+        <p:spPr/>
+        <p:txBody>
+          <a:bodyPr/>
+          <a:lstStyle/>
+          <a:p>
+            <a:fld id="{6294761A-CFE9-4878-87A7-90ECABD59CE5}" type="slidenum">
+              <a:rPr kumimoji="1" lang="ja-JP" altLang="en-US" smtClean="0"/>
+              <a:t>9</a:t>
+            </a:fld>
+            <a:endParaRPr kumimoji="1" lang="ja-JP" altLang="en-US"/>
+          </a:p>
+        </p:txBody>
+      </p:sp>
+      <p:sp>
+        <p:nvSpPr>
+          <p:cNvPr id="5" name="フッター プレースホルダー 4">
+            <a:extLst>
+              <a:ext uri="{FF2B5EF4-FFF2-40B4-BE49-F238E27FC236}">
+                <a16:creationId xmlns:a16="http://schemas.microsoft.com/office/drawing/2014/main" id="{001ED9EC-0AB5-BD1B-2346-546D40C798C0}"/>
+              </a:ext>
+            </a:extLst>
+          </p:cNvPr>
+          <p:cNvSpPr>
+            <a:spLocks noGrp="1"/>
+          </p:cNvSpPr>
+          <p:nvPr>
+            <p:ph type="ftr" sz="quarter" idx="3"/>
+          </p:nvPr>
+        </p:nvSpPr>
+        <p:spPr/>
+        <p:txBody>
+          <a:bodyPr/>
+          <a:lstStyle/>
+          <a:p>
+            <a:r>
+              <a:rPr lang="en-US" altLang="ja-JP"/>
+              <a:t>Wave Signal Processing Circuit Laboratory,  Meiji University</a:t>
+            </a:r>
+            <a:endParaRPr lang="en-US" altLang="ja-JP" dirty="0"/>
+          </a:p>
+        </p:txBody>
+      </p:sp>
+      <p:pic>
+        <p:nvPicPr>
+          <p:cNvPr id="14" name="図 13" descr="グラフ, 折れ線グラフ&#10;&#10;自動的に生成された説明">
+            <a:extLst>
+              <a:ext uri="{FF2B5EF4-FFF2-40B4-BE49-F238E27FC236}">
+                <a16:creationId xmlns:a16="http://schemas.microsoft.com/office/drawing/2014/main" id="{659670C8-ACB5-7C5D-4F90-16C540A52078}"/>
+              </a:ext>
+            </a:extLst>
+          </p:cNvPr>
+          <p:cNvPicPr>
+            <a:picLocks noChangeAspect="1"/>
+          </p:cNvPicPr>
+          <p:nvPr/>
+        </p:nvPicPr>
+        <p:blipFill rotWithShape="1">
+          <a:blip r:embed="rId3">
+            <a:extLst>
+              <a:ext uri="{28A0092B-C50C-407E-A947-70E740481C1C}">
+                <a14:useLocalDpi xmlns:a14="http://schemas.microsoft.com/office/drawing/2010/main" val="0"/>
+              </a:ext>
+            </a:extLst>
+          </a:blip>
+          <a:srcRect r="12933"/>
+          <a:stretch/>
+        </p:blipFill>
+        <p:spPr>
+          <a:xfrm>
+            <a:off x="5648944" y="1223715"/>
+            <a:ext cx="6207859" cy="4990968"/>
+          </a:xfrm>
+          <a:prstGeom prst="rect">
+            <a:avLst/>
+          </a:prstGeom>
+        </p:spPr>
+      </p:pic>
+    </p:spTree>
+    <p:extLst>
+      <p:ext uri="{BB962C8B-B14F-4D97-AF65-F5344CB8AC3E}">
+        <p14:creationId xmlns:p14="http://schemas.microsoft.com/office/powerpoint/2010/main" val="825555070"/>
       </p:ext>
     </p:extLst>
   </p:cSld>

--- a/IHP_2024/20240418/20240418小島光.pptx
+++ b/IHP_2024/20240418/20240418小島光.pptx
@@ -7891,27 +7891,190 @@
           <a:chExt cx="0" cy="0"/>
         </a:xfrm>
       </p:grpSpPr>
+      <p:sp>
+        <p:nvSpPr>
+          <p:cNvPr id="2" name="タイトル 1">
+            <a:extLst>
+              <a:ext uri="{FF2B5EF4-FFF2-40B4-BE49-F238E27FC236}">
+                <a16:creationId xmlns:a16="http://schemas.microsoft.com/office/drawing/2014/main" id="{BD19DC20-658A-2064-94E3-57577CAF4C19}"/>
+              </a:ext>
+            </a:extLst>
+          </p:cNvPr>
+          <p:cNvSpPr>
+            <a:spLocks noGrp="1"/>
+          </p:cNvSpPr>
+          <p:nvPr>
+            <p:ph type="title"/>
+          </p:nvPr>
+        </p:nvSpPr>
+        <p:spPr/>
+        <p:txBody>
+          <a:bodyPr/>
+          <a:lstStyle/>
+          <a:p>
+            <a:r>
+              <a:rPr kumimoji="1" lang="ja-JP" altLang="en-US" b="1" i="0" dirty="0">
+                <a:latin typeface="+mj-lt"/>
+              </a:rPr>
+              <a:t>入力</a:t>
+            </a:r>
+            <a:r>
+              <a:rPr kumimoji="1" lang="ja-JP" altLang="en-US" dirty="0"/>
+              <a:t>範囲</a:t>
+            </a:r>
+          </a:p>
+        </p:txBody>
+      </p:sp>
+      <p:sp>
+        <p:nvSpPr>
+          <p:cNvPr id="3" name="日付プレースホルダー 2">
+            <a:extLst>
+              <a:ext uri="{FF2B5EF4-FFF2-40B4-BE49-F238E27FC236}">
+                <a16:creationId xmlns:a16="http://schemas.microsoft.com/office/drawing/2014/main" id="{EDC95965-99A5-4290-D57E-3A2779438700}"/>
+              </a:ext>
+            </a:extLst>
+          </p:cNvPr>
+          <p:cNvSpPr>
+            <a:spLocks noGrp="1"/>
+          </p:cNvSpPr>
+          <p:nvPr>
+            <p:ph type="dt" sz="half" idx="10"/>
+          </p:nvPr>
+        </p:nvSpPr>
+        <p:spPr/>
+        <p:txBody>
+          <a:bodyPr/>
+          <a:lstStyle/>
+          <a:p>
+            <a:fld id="{D960D7A0-95E9-4E80-AEE1-2416C3BC5BFF}" type="datetime1">
+              <a:rPr kumimoji="1" lang="ja-JP" altLang="en-US" smtClean="0"/>
+              <a:t>2024/4/18</a:t>
+            </a:fld>
+            <a:endParaRPr kumimoji="1" lang="ja-JP" altLang="en-US"/>
+          </a:p>
+        </p:txBody>
+      </p:sp>
+      <p:sp>
+        <p:nvSpPr>
+          <p:cNvPr id="4" name="スライド番号プレースホルダー 3">
+            <a:extLst>
+              <a:ext uri="{FF2B5EF4-FFF2-40B4-BE49-F238E27FC236}">
+                <a16:creationId xmlns:a16="http://schemas.microsoft.com/office/drawing/2014/main" id="{96ED5FD6-F76D-3094-8B03-0187FC1E22AF}"/>
+              </a:ext>
+            </a:extLst>
+          </p:cNvPr>
+          <p:cNvSpPr>
+            <a:spLocks noGrp="1"/>
+          </p:cNvSpPr>
+          <p:nvPr>
+            <p:ph type="sldNum" sz="quarter" idx="12"/>
+          </p:nvPr>
+        </p:nvSpPr>
+        <p:spPr/>
+        <p:txBody>
+          <a:bodyPr/>
+          <a:lstStyle/>
+          <a:p>
+            <a:fld id="{6294761A-CFE9-4878-87A7-90ECABD59CE5}" type="slidenum">
+              <a:rPr kumimoji="1" lang="ja-JP" altLang="en-US" smtClean="0"/>
+              <a:t>9</a:t>
+            </a:fld>
+            <a:endParaRPr kumimoji="1" lang="ja-JP" altLang="en-US"/>
+          </a:p>
+        </p:txBody>
+      </p:sp>
+      <p:sp>
+        <p:nvSpPr>
+          <p:cNvPr id="5" name="フッター プレースホルダー 4">
+            <a:extLst>
+              <a:ext uri="{FF2B5EF4-FFF2-40B4-BE49-F238E27FC236}">
+                <a16:creationId xmlns:a16="http://schemas.microsoft.com/office/drawing/2014/main" id="{001ED9EC-0AB5-BD1B-2346-546D40C798C0}"/>
+              </a:ext>
+            </a:extLst>
+          </p:cNvPr>
+          <p:cNvSpPr>
+            <a:spLocks noGrp="1"/>
+          </p:cNvSpPr>
+          <p:nvPr>
+            <p:ph type="ftr" sz="quarter" idx="3"/>
+          </p:nvPr>
+        </p:nvSpPr>
+        <p:spPr/>
+        <p:txBody>
+          <a:bodyPr/>
+          <a:lstStyle/>
+          <a:p>
+            <a:r>
+              <a:rPr lang="en-US" altLang="ja-JP"/>
+              <a:t>Wave Signal Processing Circuit Laboratory,  Meiji University</a:t>
+            </a:r>
+            <a:endParaRPr lang="en-US" altLang="ja-JP" dirty="0"/>
+          </a:p>
+        </p:txBody>
+      </p:sp>
+      <p:pic>
+        <p:nvPicPr>
+          <p:cNvPr id="14" name="図 13" descr="グラフ, 折れ線グラフ&#10;&#10;自動的に生成された説明">
+            <a:extLst>
+              <a:ext uri="{FF2B5EF4-FFF2-40B4-BE49-F238E27FC236}">
+                <a16:creationId xmlns:a16="http://schemas.microsoft.com/office/drawing/2014/main" id="{659670C8-ACB5-7C5D-4F90-16C540A52078}"/>
+              </a:ext>
+            </a:extLst>
+          </p:cNvPr>
+          <p:cNvPicPr>
+            <a:picLocks noChangeAspect="1"/>
+          </p:cNvPicPr>
+          <p:nvPr/>
+        </p:nvPicPr>
+        <p:blipFill rotWithShape="1">
+          <a:blip r:embed="rId2">
+            <a:extLst>
+              <a:ext uri="{28A0092B-C50C-407E-A947-70E740481C1C}">
+                <a14:useLocalDpi xmlns:a14="http://schemas.microsoft.com/office/drawing/2010/main" val="0"/>
+              </a:ext>
+            </a:extLst>
+          </a:blip>
+          <a:srcRect r="12933"/>
+          <a:stretch/>
+        </p:blipFill>
+        <p:spPr>
+          <a:xfrm>
+            <a:off x="5648944" y="1223715"/>
+            <a:ext cx="6207859" cy="4990968"/>
+          </a:xfrm>
+          <a:prstGeom prst="rect">
+            <a:avLst/>
+          </a:prstGeom>
+        </p:spPr>
+      </p:pic>
       <mc:AlternateContent xmlns:mc="http://schemas.openxmlformats.org/markup-compatibility/2006">
         <mc:Choice xmlns:a14="http://schemas.microsoft.com/office/drawing/2010/main" Requires="a14">
           <p:sp>
             <p:nvSpPr>
-              <p:cNvPr id="2" name="タイトル 1">
+              <p:cNvPr id="6" name="テキスト ボックス 5">
                 <a:extLst>
                   <a:ext uri="{FF2B5EF4-FFF2-40B4-BE49-F238E27FC236}">
-                    <a16:creationId xmlns:a16="http://schemas.microsoft.com/office/drawing/2014/main" id="{BD19DC20-658A-2064-94E3-57577CAF4C19}"/>
+                    <a16:creationId xmlns:a16="http://schemas.microsoft.com/office/drawing/2014/main" id="{D585CB10-4439-B44F-97E8-528FC2640C0B}"/>
                   </a:ext>
                 </a:extLst>
               </p:cNvPr>
-              <p:cNvSpPr>
-                <a:spLocks noGrp="1"/>
-              </p:cNvSpPr>
-              <p:nvPr>
-                <p:ph type="title"/>
-              </p:nvPr>
+              <p:cNvSpPr txBox="1"/>
+              <p:nvPr/>
             </p:nvSpPr>
-            <p:spPr/>
+            <p:spPr>
+              <a:xfrm>
+                <a:off x="370854" y="2284511"/>
+                <a:ext cx="4993626" cy="2585323"/>
+              </a:xfrm>
+              <a:prstGeom prst="rect">
+                <a:avLst/>
+              </a:prstGeom>
+              <a:noFill/>
+            </p:spPr>
             <p:txBody>
-              <a:bodyPr/>
+              <a:bodyPr wrap="square" rtlCol="0">
+                <a:spAutoFit/>
+              </a:bodyPr>
               <a:lstStyle/>
               <a:p>
                 <a14:m>
@@ -7919,30 +8082,30 @@
                     <m:sSub>
                       <m:sSubPr>
                         <m:ctrlPr>
-                          <a:rPr kumimoji="1" lang="en-US" altLang="ja-JP" b="1" i="1" smtClean="0">
+                          <a:rPr kumimoji="1" lang="en-US" altLang="ja-JP" b="0" i="1" smtClean="0">
                             <a:latin typeface="Cambria Math" panose="02040503050406030204" pitchFamily="18" charset="0"/>
                           </a:rPr>
                         </m:ctrlPr>
                       </m:sSubPr>
                       <m:e>
                         <m:r>
-                          <a:rPr kumimoji="1" lang="en-US" altLang="ja-JP" b="1" i="1" smtClean="0">
+                          <a:rPr kumimoji="1" lang="en-US" altLang="ja-JP" b="0" i="1" smtClean="0">
                             <a:latin typeface="Cambria Math" panose="02040503050406030204" pitchFamily="18" charset="0"/>
                           </a:rPr>
-                          <m:t>𝑰</m:t>
+                          <m:t>𝐼</m:t>
                         </m:r>
                       </m:e>
                       <m:sub>
                         <m:r>
-                          <a:rPr kumimoji="1" lang="en-US" altLang="ja-JP" b="1" i="1" smtClean="0">
+                          <a:rPr kumimoji="1" lang="en-US" altLang="ja-JP" b="0" i="1" smtClean="0">
                             <a:latin typeface="Cambria Math" panose="02040503050406030204" pitchFamily="18" charset="0"/>
                           </a:rPr>
-                          <m:t>𝑪</m:t>
+                          <m:t>𝐶</m:t>
                         </m:r>
                       </m:sub>
                     </m:sSub>
                     <m:r>
-                      <a:rPr kumimoji="1" lang="en-US" altLang="ja-JP" b="1" i="1" smtClean="0">
+                      <a:rPr kumimoji="1" lang="en-US" altLang="ja-JP" b="0" i="1" smtClean="0">
                         <a:latin typeface="Cambria Math" panose="02040503050406030204" pitchFamily="18" charset="0"/>
                       </a:rPr>
                       <m:t>−</m:t>
@@ -7950,25 +8113,25 @@
                     <m:sSub>
                       <m:sSubPr>
                         <m:ctrlPr>
-                          <a:rPr kumimoji="1" lang="en-US" altLang="ja-JP" b="1" i="1" smtClean="0">
+                          <a:rPr kumimoji="1" lang="en-US" altLang="ja-JP" b="0" i="1" smtClean="0">
                             <a:latin typeface="Cambria Math" panose="02040503050406030204" pitchFamily="18" charset="0"/>
                           </a:rPr>
                         </m:ctrlPr>
                       </m:sSubPr>
                       <m:e>
                         <m:r>
-                          <a:rPr kumimoji="1" lang="en-US" altLang="ja-JP" b="1" i="1" smtClean="0">
+                          <a:rPr kumimoji="1" lang="en-US" altLang="ja-JP" b="0" i="1" smtClean="0">
                             <a:latin typeface="Cambria Math" panose="02040503050406030204" pitchFamily="18" charset="0"/>
                           </a:rPr>
-                          <m:t>𝑽</m:t>
+                          <m:t>𝑉</m:t>
                         </m:r>
                       </m:e>
                       <m:sub>
                         <m:r>
-                          <a:rPr kumimoji="1" lang="en-US" altLang="ja-JP" b="1" i="1" smtClean="0">
+                          <a:rPr kumimoji="1" lang="en-US" altLang="ja-JP" b="0" i="1" smtClean="0">
                             <a:latin typeface="Cambria Math" panose="02040503050406030204" pitchFamily="18" charset="0"/>
                           </a:rPr>
-                          <m:t>𝑩𝑬</m:t>
+                          <m:t>𝐵𝐸</m:t>
                         </m:r>
                       </m:sub>
                     </m:sSub>
@@ -7976,8 +8139,56 @@
                 </a14:m>
                 <a:r>
                   <a:rPr kumimoji="1" lang="ja-JP" altLang="en-US" dirty="0"/>
-                  <a:t>特性</a:t>
+                  <a:t>特性を近似すると</a:t>
                 </a:r>
+                <a14:m>
+                  <m:oMath xmlns:m="http://schemas.openxmlformats.org/officeDocument/2006/math">
+                    <m:r>
+                      <a:rPr kumimoji="1" lang="en-US" altLang="ja-JP" b="0" i="1" smtClean="0">
+                        <a:latin typeface="Cambria Math" panose="02040503050406030204" pitchFamily="18" charset="0"/>
+                      </a:rPr>
+                      <m:t>0.8 </m:t>
+                    </m:r>
+                    <m:r>
+                      <a:rPr kumimoji="1" lang="en-US" altLang="ja-JP" b="0" i="1" smtClean="0">
+                        <a:latin typeface="Cambria Math" panose="02040503050406030204" pitchFamily="18" charset="0"/>
+                      </a:rPr>
+                      <m:t>𝑉</m:t>
+                    </m:r>
+                  </m:oMath>
+                </a14:m>
+                <a:r>
+                  <a:rPr kumimoji="1" lang="ja-JP" altLang="en-US" dirty="0"/>
+                  <a:t>程度までしか指数特性で近似できない。</a:t>
+                </a:r>
+                <a:endParaRPr kumimoji="1" lang="en-US" altLang="ja-JP" dirty="0"/>
+              </a:p>
+              <a:p>
+                <a:endParaRPr lang="en-US" altLang="ja-JP" dirty="0"/>
+              </a:p>
+              <a:p>
+                <a:r>
+                  <a:rPr kumimoji="1" lang="ja-JP" altLang="en-US" dirty="0"/>
+                  <a:t>⇒これより大きい範囲では線形な乗算はできない。</a:t>
+                </a:r>
+                <a:endParaRPr kumimoji="1" lang="en-US" altLang="ja-JP" dirty="0"/>
+              </a:p>
+              <a:p>
+                <a:endParaRPr lang="en-US" altLang="ja-JP" dirty="0"/>
+              </a:p>
+              <a:p>
+                <a:r>
+                  <a:rPr kumimoji="1" lang="ja-JP" altLang="en-US" dirty="0"/>
+                  <a:t>したがって入力範囲を大きくすることは難しい。</a:t>
+                </a:r>
+                <a:endParaRPr kumimoji="1" lang="en-US" altLang="ja-JP" dirty="0"/>
+              </a:p>
+              <a:p>
+                <a:r>
+                  <a:rPr lang="ja-JP" altLang="en-US" dirty="0"/>
+                  <a:t>出力範囲は電流を増やすことで増幅率を大きくできるので、検討する。</a:t>
+                </a:r>
+                <a:endParaRPr kumimoji="1" lang="ja-JP" altLang="en-US" dirty="0"/>
               </a:p>
             </p:txBody>
           </p:sp>
@@ -7985,25 +8196,30 @@
         <mc:Fallback>
           <p:sp>
             <p:nvSpPr>
-              <p:cNvPr id="2" name="タイトル 1">
+              <p:cNvPr id="6" name="テキスト ボックス 5">
                 <a:extLst>
                   <a:ext uri="{FF2B5EF4-FFF2-40B4-BE49-F238E27FC236}">
-                    <a16:creationId xmlns:a16="http://schemas.microsoft.com/office/drawing/2014/main" id="{BD19DC20-658A-2064-94E3-57577CAF4C19}"/>
+                    <a16:creationId xmlns:a16="http://schemas.microsoft.com/office/drawing/2014/main" id="{D585CB10-4439-B44F-97E8-528FC2640C0B}"/>
                   </a:ext>
                 </a:extLst>
               </p:cNvPr>
-              <p:cNvSpPr>
-                <a:spLocks noGrp="1" noRot="1" noChangeAspect="1" noMove="1" noResize="1" noEditPoints="1" noAdjustHandles="1" noChangeArrowheads="1" noChangeShapeType="1" noTextEdit="1"/>
+              <p:cNvSpPr txBox="1">
+                <a:spLocks noRot="1" noChangeAspect="1" noMove="1" noResize="1" noEditPoints="1" noAdjustHandles="1" noChangeArrowheads="1" noChangeShapeType="1" noTextEdit="1"/>
               </p:cNvSpPr>
-              <p:nvPr>
-                <p:ph type="title"/>
-              </p:nvPr>
+              <p:nvPr/>
             </p:nvSpPr>
             <p:spPr>
+              <a:xfrm>
+                <a:off x="370854" y="2284511"/>
+                <a:ext cx="4993626" cy="2585323"/>
+              </a:xfrm>
+              <a:prstGeom prst="rect">
+                <a:avLst/>
+              </a:prstGeom>
               <a:blipFill>
-                <a:blip r:embed="rId2"/>
+                <a:blip r:embed="rId3"/>
                 <a:stretch>
-                  <a:fillRect t="-11628" b="-24806"/>
+                  <a:fillRect l="-1099" t="-1179" r="-5372" b="-2830"/>
                 </a:stretch>
               </a:blipFill>
             </p:spPr>
@@ -8022,128 +8238,6 @@
           </p:sp>
         </mc:Fallback>
       </mc:AlternateContent>
-      <p:sp>
-        <p:nvSpPr>
-          <p:cNvPr id="3" name="日付プレースホルダー 2">
-            <a:extLst>
-              <a:ext uri="{FF2B5EF4-FFF2-40B4-BE49-F238E27FC236}">
-                <a16:creationId xmlns:a16="http://schemas.microsoft.com/office/drawing/2014/main" id="{EDC95965-99A5-4290-D57E-3A2779438700}"/>
-              </a:ext>
-            </a:extLst>
-          </p:cNvPr>
-          <p:cNvSpPr>
-            <a:spLocks noGrp="1"/>
-          </p:cNvSpPr>
-          <p:nvPr>
-            <p:ph type="dt" sz="half" idx="10"/>
-          </p:nvPr>
-        </p:nvSpPr>
-        <p:spPr/>
-        <p:txBody>
-          <a:bodyPr/>
-          <a:lstStyle/>
-          <a:p>
-            <a:fld id="{D960D7A0-95E9-4E80-AEE1-2416C3BC5BFF}" type="datetime1">
-              <a:rPr kumimoji="1" lang="ja-JP" altLang="en-US" smtClean="0"/>
-              <a:t>2024/4/18</a:t>
-            </a:fld>
-            <a:endParaRPr kumimoji="1" lang="ja-JP" altLang="en-US"/>
-          </a:p>
-        </p:txBody>
-      </p:sp>
-      <p:sp>
-        <p:nvSpPr>
-          <p:cNvPr id="4" name="スライド番号プレースホルダー 3">
-            <a:extLst>
-              <a:ext uri="{FF2B5EF4-FFF2-40B4-BE49-F238E27FC236}">
-                <a16:creationId xmlns:a16="http://schemas.microsoft.com/office/drawing/2014/main" id="{96ED5FD6-F76D-3094-8B03-0187FC1E22AF}"/>
-              </a:ext>
-            </a:extLst>
-          </p:cNvPr>
-          <p:cNvSpPr>
-            <a:spLocks noGrp="1"/>
-          </p:cNvSpPr>
-          <p:nvPr>
-            <p:ph type="sldNum" sz="quarter" idx="12"/>
-          </p:nvPr>
-        </p:nvSpPr>
-        <p:spPr/>
-        <p:txBody>
-          <a:bodyPr/>
-          <a:lstStyle/>
-          <a:p>
-            <a:fld id="{6294761A-CFE9-4878-87A7-90ECABD59CE5}" type="slidenum">
-              <a:rPr kumimoji="1" lang="ja-JP" altLang="en-US" smtClean="0"/>
-              <a:t>9</a:t>
-            </a:fld>
-            <a:endParaRPr kumimoji="1" lang="ja-JP" altLang="en-US"/>
-          </a:p>
-        </p:txBody>
-      </p:sp>
-      <p:sp>
-        <p:nvSpPr>
-          <p:cNvPr id="5" name="フッター プレースホルダー 4">
-            <a:extLst>
-              <a:ext uri="{FF2B5EF4-FFF2-40B4-BE49-F238E27FC236}">
-                <a16:creationId xmlns:a16="http://schemas.microsoft.com/office/drawing/2014/main" id="{001ED9EC-0AB5-BD1B-2346-546D40C798C0}"/>
-              </a:ext>
-            </a:extLst>
-          </p:cNvPr>
-          <p:cNvSpPr>
-            <a:spLocks noGrp="1"/>
-          </p:cNvSpPr>
-          <p:nvPr>
-            <p:ph type="ftr" sz="quarter" idx="3"/>
-          </p:nvPr>
-        </p:nvSpPr>
-        <p:spPr/>
-        <p:txBody>
-          <a:bodyPr/>
-          <a:lstStyle/>
-          <a:p>
-            <a:r>
-              <a:rPr lang="en-US" altLang="ja-JP"/>
-              <a:t>Wave Signal Processing Circuit Laboratory,  Meiji University</a:t>
-            </a:r>
-            <a:endParaRPr lang="en-US" altLang="ja-JP" dirty="0"/>
-          </a:p>
-        </p:txBody>
-      </p:sp>
-      <p:pic>
-        <p:nvPicPr>
-          <p:cNvPr id="14" name="図 13" descr="グラフ, 折れ線グラフ&#10;&#10;自動的に生成された説明">
-            <a:extLst>
-              <a:ext uri="{FF2B5EF4-FFF2-40B4-BE49-F238E27FC236}">
-                <a16:creationId xmlns:a16="http://schemas.microsoft.com/office/drawing/2014/main" id="{659670C8-ACB5-7C5D-4F90-16C540A52078}"/>
-              </a:ext>
-            </a:extLst>
-          </p:cNvPr>
-          <p:cNvPicPr>
-            <a:picLocks noChangeAspect="1"/>
-          </p:cNvPicPr>
-          <p:nvPr/>
-        </p:nvPicPr>
-        <p:blipFill rotWithShape="1">
-          <a:blip r:embed="rId3">
-            <a:extLst>
-              <a:ext uri="{28A0092B-C50C-407E-A947-70E740481C1C}">
-                <a14:useLocalDpi xmlns:a14="http://schemas.microsoft.com/office/drawing/2010/main" val="0"/>
-              </a:ext>
-            </a:extLst>
-          </a:blip>
-          <a:srcRect r="12933"/>
-          <a:stretch/>
-        </p:blipFill>
-        <p:spPr>
-          <a:xfrm>
-            <a:off x="5648944" y="1223715"/>
-            <a:ext cx="6207859" cy="4990968"/>
-          </a:xfrm>
-          <a:prstGeom prst="rect">
-            <a:avLst/>
-          </a:prstGeom>
-        </p:spPr>
-      </p:pic>
     </p:spTree>
     <p:extLst>
       <p:ext uri="{BB962C8B-B14F-4D97-AF65-F5344CB8AC3E}">

--- a/IHP_2024/20240418/20240418小島光.pptx
+++ b/IHP_2024/20240418/20240418小島光.pptx
@@ -9,14 +9,14 @@
   </p:notesMasterIdLst>
   <p:sldIdLst>
     <p:sldId id="256" r:id="rId2"/>
-    <p:sldId id="269" r:id="rId3"/>
-    <p:sldId id="257" r:id="rId4"/>
-    <p:sldId id="261" r:id="rId5"/>
-    <p:sldId id="266" r:id="rId6"/>
-    <p:sldId id="267" r:id="rId7"/>
-    <p:sldId id="260" r:id="rId8"/>
-    <p:sldId id="268" r:id="rId9"/>
-    <p:sldId id="270" r:id="rId10"/>
+    <p:sldId id="271" r:id="rId3"/>
+    <p:sldId id="269" r:id="rId4"/>
+    <p:sldId id="257" r:id="rId5"/>
+    <p:sldId id="261" r:id="rId6"/>
+    <p:sldId id="266" r:id="rId7"/>
+    <p:sldId id="267" r:id="rId8"/>
+    <p:sldId id="260" r:id="rId9"/>
+    <p:sldId id="268" r:id="rId10"/>
   </p:sldIdLst>
   <p:sldSz cx="12192000" cy="6858000"/>
   <p:notesSz cx="6858000" cy="9144000"/>
@@ -4881,7 +4881,7 @@
           <p:cNvPr id="2" name="タイトル 1">
             <a:extLst>
               <a:ext uri="{FF2B5EF4-FFF2-40B4-BE49-F238E27FC236}">
-                <a16:creationId xmlns:a16="http://schemas.microsoft.com/office/drawing/2014/main" id="{A98F700D-B02D-EF09-6385-2A77913F31AC}"/>
+                <a16:creationId xmlns:a16="http://schemas.microsoft.com/office/drawing/2014/main" id="{26AFAAFC-8A0E-F446-AB3D-0C41D0AC2084}"/>
               </a:ext>
             </a:extLst>
           </p:cNvPr>
@@ -4898,9 +4898,10 @@
           <a:lstStyle/>
           <a:p>
             <a:r>
-              <a:rPr kumimoji="1" lang="ja-JP" altLang="en-US" dirty="0"/>
-              <a:t>回路図</a:t>
-            </a:r>
+              <a:rPr lang="ja-JP" altLang="en-US" dirty="0"/>
+              <a:t>目次</a:t>
+            </a:r>
+            <a:endParaRPr kumimoji="1" lang="ja-JP" altLang="en-US" dirty="0"/>
           </a:p>
         </p:txBody>
       </p:sp>
@@ -4909,7 +4910,7 @@
           <p:cNvPr id="3" name="日付プレースホルダー 2">
             <a:extLst>
               <a:ext uri="{FF2B5EF4-FFF2-40B4-BE49-F238E27FC236}">
-                <a16:creationId xmlns:a16="http://schemas.microsoft.com/office/drawing/2014/main" id="{C6A39443-2184-79ED-62A8-94E952AC63EB}"/>
+                <a16:creationId xmlns:a16="http://schemas.microsoft.com/office/drawing/2014/main" id="{3DD7856C-4C6C-074C-A9E7-D23E34935411}"/>
               </a:ext>
             </a:extLst>
           </p:cNvPr>
@@ -4938,7 +4939,7 @@
           <p:cNvPr id="4" name="スライド番号プレースホルダー 3">
             <a:extLst>
               <a:ext uri="{FF2B5EF4-FFF2-40B4-BE49-F238E27FC236}">
-                <a16:creationId xmlns:a16="http://schemas.microsoft.com/office/drawing/2014/main" id="{A1D0FE32-6834-01BA-FB64-6887DA0BEE0B}"/>
+                <a16:creationId xmlns:a16="http://schemas.microsoft.com/office/drawing/2014/main" id="{5B583697-2304-C510-BEB8-5C6C5A1432F7}"/>
               </a:ext>
             </a:extLst>
           </p:cNvPr>
@@ -4967,7 +4968,7 @@
           <p:cNvPr id="5" name="フッター プレースホルダー 4">
             <a:extLst>
               <a:ext uri="{FF2B5EF4-FFF2-40B4-BE49-F238E27FC236}">
-                <a16:creationId xmlns:a16="http://schemas.microsoft.com/office/drawing/2014/main" id="{96CC2BD6-53B6-A914-DEDD-C1FD12E2E92B}"/>
+                <a16:creationId xmlns:a16="http://schemas.microsoft.com/office/drawing/2014/main" id="{D025D1CF-5F8F-1318-4241-00D7EF89023E}"/>
               </a:ext>
             </a:extLst>
           </p:cNvPr>
@@ -4991,42 +4992,225 @@
           </a:p>
         </p:txBody>
       </p:sp>
-      <p:pic>
-        <p:nvPicPr>
-          <p:cNvPr id="10" name="図 9" descr="モニター, 画面, テレビ, 大きい が含まれている画像&#10;&#10;自動的に生成された説明">
-            <a:extLst>
-              <a:ext uri="{FF2B5EF4-FFF2-40B4-BE49-F238E27FC236}">
-                <a16:creationId xmlns:a16="http://schemas.microsoft.com/office/drawing/2014/main" id="{CBB9B5BC-342E-B030-7E42-1E060518DB5B}"/>
-              </a:ext>
-            </a:extLst>
-          </p:cNvPr>
-          <p:cNvPicPr>
-            <a:picLocks noChangeAspect="1"/>
-          </p:cNvPicPr>
+      <p:sp>
+        <p:nvSpPr>
+          <p:cNvPr id="7" name="テキスト ボックス 6">
+            <a:extLst>
+              <a:ext uri="{FF2B5EF4-FFF2-40B4-BE49-F238E27FC236}">
+                <a16:creationId xmlns:a16="http://schemas.microsoft.com/office/drawing/2014/main" id="{01A05FC1-253C-533C-A8AF-4009D50D8AE8}"/>
+              </a:ext>
+            </a:extLst>
+          </p:cNvPr>
+          <p:cNvSpPr txBox="1"/>
           <p:nvPr/>
-        </p:nvPicPr>
-        <p:blipFill>
-          <a:blip r:embed="rId2">
-            <a:extLst>
-              <a:ext uri="{28A0092B-C50C-407E-A947-70E740481C1C}">
-                <a14:useLocalDpi xmlns:a14="http://schemas.microsoft.com/office/drawing/2010/main" val="0"/>
-              </a:ext>
-            </a:extLst>
-          </a:blip>
-          <a:stretch>
-            <a:fillRect/>
-          </a:stretch>
-        </p:blipFill>
+        </p:nvSpPr>
         <p:spPr>
           <a:xfrm>
-            <a:off x="3288694" y="1356378"/>
-            <a:ext cx="8823978" cy="4855474"/>
+            <a:off x="2189430" y="2014400"/>
+            <a:ext cx="7813140" cy="3539430"/>
           </a:xfrm>
           <a:prstGeom prst="rect">
             <a:avLst/>
           </a:prstGeom>
+          <a:noFill/>
         </p:spPr>
-      </p:pic>
+        <p:txBody>
+          <a:bodyPr wrap="square" rtlCol="0">
+            <a:spAutoFit/>
+          </a:bodyPr>
+          <a:lstStyle/>
+          <a:p>
+            <a:r>
+              <a:rPr kumimoji="1" lang="ja-JP" altLang="en-US" sz="3200" dirty="0"/>
+              <a:t>・回路図の変更点</a:t>
+            </a:r>
+            <a:endParaRPr kumimoji="1" lang="en-US" altLang="ja-JP" sz="3200" dirty="0"/>
+          </a:p>
+          <a:p>
+            <a:endParaRPr kumimoji="1" lang="en-US" altLang="ja-JP" sz="3200" dirty="0"/>
+          </a:p>
+          <a:p>
+            <a:r>
+              <a:rPr lang="ja-JP" altLang="en-US" sz="3200" dirty="0"/>
+              <a:t>・</a:t>
+            </a:r>
+            <a:r>
+              <a:rPr lang="en-US" altLang="ja-JP" sz="3200" dirty="0" err="1"/>
+              <a:t>pmos</a:t>
+            </a:r>
+            <a:r>
+              <a:rPr lang="ja-JP" altLang="en-US" sz="3200" dirty="0"/>
+              <a:t>の特性</a:t>
+            </a:r>
+            <a:endParaRPr lang="en-US" altLang="ja-JP" sz="3200" dirty="0"/>
+          </a:p>
+          <a:p>
+            <a:endParaRPr lang="en-US" altLang="ja-JP" sz="3200" dirty="0"/>
+          </a:p>
+          <a:p>
+            <a:r>
+              <a:rPr lang="ja-JP" altLang="en-US" sz="3200" dirty="0"/>
+              <a:t>・シミュレーション結果</a:t>
+            </a:r>
+            <a:endParaRPr lang="en-US" altLang="ja-JP" sz="3200" dirty="0"/>
+          </a:p>
+          <a:p>
+            <a:endParaRPr kumimoji="1" lang="en-US" altLang="ja-JP" sz="3200" dirty="0"/>
+          </a:p>
+          <a:p>
+            <a:r>
+              <a:rPr lang="ja-JP" altLang="en-US" sz="3200" dirty="0"/>
+              <a:t>・まとめ</a:t>
+            </a:r>
+            <a:endParaRPr kumimoji="1" lang="ja-JP" altLang="en-US" sz="3200" dirty="0"/>
+          </a:p>
+        </p:txBody>
+      </p:sp>
+    </p:spTree>
+    <p:extLst>
+      <p:ext uri="{BB962C8B-B14F-4D97-AF65-F5344CB8AC3E}">
+        <p14:creationId xmlns:p14="http://schemas.microsoft.com/office/powerpoint/2010/main" val="3707324590"/>
+      </p:ext>
+    </p:extLst>
+  </p:cSld>
+  <p:clrMapOvr>
+    <a:masterClrMapping/>
+  </p:clrMapOvr>
+</p:sld>
+</file>
+
+<file path=ppt/slides/slide3.xml><?xml version="1.0" encoding="utf-8"?>
+<p:sld xmlns:a="http://schemas.openxmlformats.org/drawingml/2006/main" xmlns:r="http://schemas.openxmlformats.org/officeDocument/2006/relationships" xmlns:p="http://schemas.openxmlformats.org/presentationml/2006/main">
+  <p:cSld>
+    <p:spTree>
+      <p:nvGrpSpPr>
+        <p:cNvPr id="1" name=""/>
+        <p:cNvGrpSpPr/>
+        <p:nvPr/>
+      </p:nvGrpSpPr>
+      <p:grpSpPr>
+        <a:xfrm>
+          <a:off x="0" y="0"/>
+          <a:ext cx="0" cy="0"/>
+          <a:chOff x="0" y="0"/>
+          <a:chExt cx="0" cy="0"/>
+        </a:xfrm>
+      </p:grpSpPr>
+      <p:sp>
+        <p:nvSpPr>
+          <p:cNvPr id="2" name="タイトル 1">
+            <a:extLst>
+              <a:ext uri="{FF2B5EF4-FFF2-40B4-BE49-F238E27FC236}">
+                <a16:creationId xmlns:a16="http://schemas.microsoft.com/office/drawing/2014/main" id="{A98F700D-B02D-EF09-6385-2A77913F31AC}"/>
+              </a:ext>
+            </a:extLst>
+          </p:cNvPr>
+          <p:cNvSpPr>
+            <a:spLocks noGrp="1"/>
+          </p:cNvSpPr>
+          <p:nvPr>
+            <p:ph type="title"/>
+          </p:nvPr>
+        </p:nvSpPr>
+        <p:spPr/>
+        <p:txBody>
+          <a:bodyPr/>
+          <a:lstStyle/>
+          <a:p>
+            <a:r>
+              <a:rPr kumimoji="1" lang="ja-JP" altLang="en-US" dirty="0"/>
+              <a:t>回路図</a:t>
+            </a:r>
+          </a:p>
+        </p:txBody>
+      </p:sp>
+      <p:sp>
+        <p:nvSpPr>
+          <p:cNvPr id="3" name="日付プレースホルダー 2">
+            <a:extLst>
+              <a:ext uri="{FF2B5EF4-FFF2-40B4-BE49-F238E27FC236}">
+                <a16:creationId xmlns:a16="http://schemas.microsoft.com/office/drawing/2014/main" id="{C6A39443-2184-79ED-62A8-94E952AC63EB}"/>
+              </a:ext>
+            </a:extLst>
+          </p:cNvPr>
+          <p:cNvSpPr>
+            <a:spLocks noGrp="1"/>
+          </p:cNvSpPr>
+          <p:nvPr>
+            <p:ph type="dt" sz="half" idx="10"/>
+          </p:nvPr>
+        </p:nvSpPr>
+        <p:spPr/>
+        <p:txBody>
+          <a:bodyPr/>
+          <a:lstStyle/>
+          <a:p>
+            <a:r>
+              <a:rPr kumimoji="1" lang="en-US" altLang="ja-JP"/>
+              <a:t>2024/4/18</a:t>
+            </a:r>
+            <a:endParaRPr kumimoji="1" lang="ja-JP" altLang="en-US"/>
+          </a:p>
+        </p:txBody>
+      </p:sp>
+      <p:sp>
+        <p:nvSpPr>
+          <p:cNvPr id="4" name="スライド番号プレースホルダー 3">
+            <a:extLst>
+              <a:ext uri="{FF2B5EF4-FFF2-40B4-BE49-F238E27FC236}">
+                <a16:creationId xmlns:a16="http://schemas.microsoft.com/office/drawing/2014/main" id="{A1D0FE32-6834-01BA-FB64-6887DA0BEE0B}"/>
+              </a:ext>
+            </a:extLst>
+          </p:cNvPr>
+          <p:cNvSpPr>
+            <a:spLocks noGrp="1"/>
+          </p:cNvSpPr>
+          <p:nvPr>
+            <p:ph type="sldNum" sz="quarter" idx="12"/>
+          </p:nvPr>
+        </p:nvSpPr>
+        <p:spPr/>
+        <p:txBody>
+          <a:bodyPr/>
+          <a:lstStyle/>
+          <a:p>
+            <a:fld id="{6294761A-CFE9-4878-87A7-90ECABD59CE5}" type="slidenum">
+              <a:rPr kumimoji="1" lang="ja-JP" altLang="en-US" smtClean="0"/>
+              <a:t>3</a:t>
+            </a:fld>
+            <a:endParaRPr kumimoji="1" lang="ja-JP" altLang="en-US"/>
+          </a:p>
+        </p:txBody>
+      </p:sp>
+      <p:sp>
+        <p:nvSpPr>
+          <p:cNvPr id="5" name="フッター プレースホルダー 4">
+            <a:extLst>
+              <a:ext uri="{FF2B5EF4-FFF2-40B4-BE49-F238E27FC236}">
+                <a16:creationId xmlns:a16="http://schemas.microsoft.com/office/drawing/2014/main" id="{96CC2BD6-53B6-A914-DEDD-C1FD12E2E92B}"/>
+              </a:ext>
+            </a:extLst>
+          </p:cNvPr>
+          <p:cNvSpPr>
+            <a:spLocks noGrp="1"/>
+          </p:cNvSpPr>
+          <p:nvPr>
+            <p:ph type="ftr" sz="quarter" idx="3"/>
+          </p:nvPr>
+        </p:nvSpPr>
+        <p:spPr/>
+        <p:txBody>
+          <a:bodyPr/>
+          <a:lstStyle/>
+          <a:p>
+            <a:r>
+              <a:rPr lang="en-US" altLang="ja-JP"/>
+              <a:t>Wave Signal Processing Circuit Laboratory,  Meiji University</a:t>
+            </a:r>
+            <a:endParaRPr lang="en-US" altLang="ja-JP" dirty="0"/>
+          </a:p>
+        </p:txBody>
+      </p:sp>
       <p:sp>
         <p:nvSpPr>
           <p:cNvPr id="11" name="楕円 10">
@@ -5041,7 +5225,7 @@
         </p:nvSpPr>
         <p:spPr>
           <a:xfrm>
-            <a:off x="4678394" y="1748125"/>
+            <a:off x="4195483" y="1657591"/>
             <a:ext cx="1900517" cy="950259"/>
           </a:xfrm>
           <a:prstGeom prst="ellipse">
@@ -5122,6 +5306,42 @@
           </a:p>
         </p:txBody>
       </p:sp>
+      <p:pic>
+        <p:nvPicPr>
+          <p:cNvPr id="9" name="図 8" descr="グラフィカル ユーザー インターフェイス, アプリケーション, Teams&#10;&#10;自動的に生成された説明">
+            <a:extLst>
+              <a:ext uri="{FF2B5EF4-FFF2-40B4-BE49-F238E27FC236}">
+                <a16:creationId xmlns:a16="http://schemas.microsoft.com/office/drawing/2014/main" id="{8DC66914-4684-78EA-712A-298728D6695A}"/>
+              </a:ext>
+            </a:extLst>
+          </p:cNvPr>
+          <p:cNvPicPr>
+            <a:picLocks noChangeAspect="1"/>
+          </p:cNvPicPr>
+          <p:nvPr/>
+        </p:nvPicPr>
+        <p:blipFill>
+          <a:blip r:embed="rId2">
+            <a:extLst>
+              <a:ext uri="{28A0092B-C50C-407E-A947-70E740481C1C}">
+                <a14:useLocalDpi xmlns:a14="http://schemas.microsoft.com/office/drawing/2010/main" val="0"/>
+              </a:ext>
+            </a:extLst>
+          </a:blip>
+          <a:stretch>
+            <a:fillRect/>
+          </a:stretch>
+        </p:blipFill>
+        <p:spPr>
+          <a:xfrm>
+            <a:off x="2590781" y="1318458"/>
+            <a:ext cx="9601219" cy="4946914"/>
+          </a:xfrm>
+          <a:prstGeom prst="rect">
+            <a:avLst/>
+          </a:prstGeom>
+        </p:spPr>
+      </p:pic>
     </p:spTree>
     <p:extLst>
       <p:ext uri="{BB962C8B-B14F-4D97-AF65-F5344CB8AC3E}">
@@ -5135,7 +5355,7 @@
 </p:sld>
 </file>
 
-<file path=ppt/slides/slide3.xml><?xml version="1.0" encoding="utf-8"?>
+<file path=ppt/slides/slide4.xml><?xml version="1.0" encoding="utf-8"?>
 <p:sld xmlns:a="http://schemas.openxmlformats.org/drawingml/2006/main" xmlns:r="http://schemas.openxmlformats.org/officeDocument/2006/relationships" xmlns:p="http://schemas.openxmlformats.org/presentationml/2006/main">
   <p:cSld>
     <p:spTree>
@@ -5236,7 +5456,7 @@
           <a:p>
             <a:fld id="{6294761A-CFE9-4878-87A7-90ECABD59CE5}" type="slidenum">
               <a:rPr kumimoji="1" lang="ja-JP" altLang="en-US" smtClean="0"/>
-              <a:t>3</a:t>
+              <a:t>4</a:t>
             </a:fld>
             <a:endParaRPr kumimoji="1" lang="ja-JP" altLang="en-US"/>
           </a:p>
@@ -5299,16 +5519,16 @@
         </p:blipFill>
         <p:spPr>
           <a:xfrm>
-            <a:off x="1022785" y="1880613"/>
-            <a:ext cx="5127293" cy="3928517"/>
+            <a:off x="-162962" y="2657999"/>
+            <a:ext cx="3410685" cy="2613257"/>
           </a:xfrm>
           <a:prstGeom prst="rect">
             <a:avLst/>
           </a:prstGeom>
         </p:spPr>
       </p:pic>
-      <mc:AlternateContent xmlns:mc="http://schemas.openxmlformats.org/markup-compatibility/2006" xmlns:a14="http://schemas.microsoft.com/office/drawing/2010/main">
-        <mc:Choice Requires="a14">
+      <mc:AlternateContent xmlns:mc="http://schemas.openxmlformats.org/markup-compatibility/2006">
+        <mc:Choice xmlns:a14="http://schemas.microsoft.com/office/drawing/2010/main" Requires="a14">
           <p:sp>
             <p:nvSpPr>
               <p:cNvPr id="8" name="テキスト ボックス 7">
@@ -5323,8 +5543,8 @@
             </p:nvSpPr>
             <p:spPr>
               <a:xfrm>
-                <a:off x="7004737" y="2534508"/>
-                <a:ext cx="3881716" cy="2308324"/>
+                <a:off x="2743200" y="2336907"/>
+                <a:ext cx="5253655" cy="3255443"/>
               </a:xfrm>
               <a:prstGeom prst="rect">
                 <a:avLst/>
@@ -5498,7 +5718,7 @@
                         <a:rPr kumimoji="1" lang="en-US" altLang="ja-JP" b="0" i="1" smtClean="0">
                           <a:latin typeface="Cambria Math" panose="02040503050406030204" pitchFamily="18" charset="0"/>
                         </a:rPr>
-                        <m:t>𝑁</m:t>
+                        <m:t>𝑀</m:t>
                       </m:r>
                       <m:r>
                         <a:rPr kumimoji="1" lang="en-US" altLang="ja-JP" b="0" i="1" smtClean="0">
@@ -5519,11 +5739,116 @@
                   <a:rPr kumimoji="1" lang="ja-JP" altLang="en-US" dirty="0"/>
                   <a:t>とした。</a:t>
                 </a:r>
+                <a:endParaRPr kumimoji="1" lang="en-US" altLang="ja-JP" dirty="0"/>
+              </a:p>
+              <a:p>
+                <a:r>
+                  <a:rPr lang="en-US" altLang="ja-JP" dirty="0"/>
+                  <a:t>※IHP</a:t>
+                </a:r>
+                <a:r>
+                  <a:rPr lang="ja-JP" altLang="en-US" dirty="0"/>
+                  <a:t>では</a:t>
+                </a:r>
+                <a:r>
+                  <a:rPr lang="en-US" altLang="ja-JP" dirty="0"/>
+                  <a:t>W</a:t>
+                </a:r>
+                <a:r>
+                  <a:rPr lang="ja-JP" altLang="en-US" dirty="0"/>
+                  <a:t>は合計のチャネル幅で、それを</a:t>
+                </a:r>
+                <a:r>
+                  <a:rPr lang="en-US" altLang="ja-JP" dirty="0"/>
+                  <a:t>Number of Gates</a:t>
+                </a:r>
+                <a:r>
+                  <a:rPr lang="ja-JP" altLang="en-US" dirty="0"/>
+                  <a:t>で分けるという書き方です。</a:t>
+                </a:r>
+                <a:endParaRPr lang="en-US" altLang="ja-JP" dirty="0"/>
+              </a:p>
+              <a:p>
+                <a:r>
+                  <a:rPr lang="ja-JP" altLang="en-US" dirty="0"/>
+                  <a:t>右は</a:t>
+                </a:r>
+                <a14:m>
+                  <m:oMath xmlns:m="http://schemas.openxmlformats.org/officeDocument/2006/math">
+                    <m:r>
+                      <m:rPr>
+                        <m:sty m:val="p"/>
+                      </m:rPr>
+                      <a:rPr lang="en-US" altLang="ja-JP" b="0" i="0" smtClean="0">
+                        <a:latin typeface="Cambria Math" panose="02040503050406030204" pitchFamily="18" charset="0"/>
+                      </a:rPr>
+                      <m:t>W</m:t>
+                    </m:r>
+                    <m:r>
+                      <a:rPr lang="en-US" altLang="ja-JP" b="0" i="0" smtClean="0">
+                        <a:latin typeface="Cambria Math" panose="02040503050406030204" pitchFamily="18" charset="0"/>
+                      </a:rPr>
+                      <m:t>/</m:t>
+                    </m:r>
+                    <m:r>
+                      <m:rPr>
+                        <m:sty m:val="p"/>
+                      </m:rPr>
+                      <a:rPr lang="en-US" altLang="ja-JP" b="0" i="0" smtClean="0">
+                        <a:latin typeface="Cambria Math" panose="02040503050406030204" pitchFamily="18" charset="0"/>
+                      </a:rPr>
+                      <m:t>L</m:t>
+                    </m:r>
+                    <m:r>
+                      <a:rPr lang="en-US" altLang="ja-JP" b="0" i="1" smtClean="0">
+                        <a:latin typeface="Cambria Math" panose="02040503050406030204" pitchFamily="18" charset="0"/>
+                      </a:rPr>
+                      <m:t>=5 </m:t>
+                    </m:r>
+                    <m:r>
+                      <m:rPr>
+                        <m:sty m:val="p"/>
+                      </m:rPr>
+                      <a:rPr lang="en-US" altLang="ja-JP" b="0" i="0" smtClean="0">
+                        <a:latin typeface="Cambria Math" panose="02040503050406030204" pitchFamily="18" charset="0"/>
+                      </a:rPr>
+                      <m:t>μm</m:t>
+                    </m:r>
+                    <m:r>
+                      <a:rPr lang="en-US" altLang="ja-JP" b="0" i="1" smtClean="0">
+                        <a:latin typeface="Cambria Math" panose="02040503050406030204" pitchFamily="18" charset="0"/>
+                      </a:rPr>
+                      <m:t>/240 </m:t>
+                    </m:r>
+                    <m:r>
+                      <m:rPr>
+                        <m:sty m:val="p"/>
+                      </m:rPr>
+                      <a:rPr lang="en-US" altLang="ja-JP" b="0" i="0" smtClean="0">
+                        <a:latin typeface="Cambria Math" panose="02040503050406030204" pitchFamily="18" charset="0"/>
+                      </a:rPr>
+                      <m:t>nm</m:t>
+                    </m:r>
+                  </m:oMath>
+                </a14:m>
+                <a:r>
+                  <a:rPr lang="ja-JP" altLang="en-US" dirty="0"/>
+                  <a:t>で</a:t>
+                </a:r>
+                <a:r>
+                  <a:rPr lang="en-US" altLang="ja-JP" dirty="0"/>
+                  <a:t>16</a:t>
+                </a:r>
+                <a:r>
+                  <a:rPr lang="ja-JP" altLang="en-US" dirty="0"/>
+                  <a:t>並列の場合</a:t>
+                </a:r>
+                <a:endParaRPr lang="en-US" altLang="ja-JP" dirty="0"/>
               </a:p>
             </p:txBody>
           </p:sp>
         </mc:Choice>
-        <mc:Fallback xmlns="">
+        <mc:Fallback>
           <p:sp>
             <p:nvSpPr>
               <p:cNvPr id="8" name="テキスト ボックス 7">
@@ -5540,8 +5865,8 @@
             </p:nvSpPr>
             <p:spPr>
               <a:xfrm>
-                <a:off x="7004737" y="2534508"/>
-                <a:ext cx="3881716" cy="2308324"/>
+                <a:off x="2743200" y="2336907"/>
+                <a:ext cx="5253655" cy="3255443"/>
               </a:xfrm>
               <a:prstGeom prst="rect">
                 <a:avLst/>
@@ -5549,7 +5874,7 @@
               <a:blipFill>
                 <a:blip r:embed="rId3"/>
                 <a:stretch>
-                  <a:fillRect l="-1256" t="-1323" r="-942" b="-3439"/>
+                  <a:fillRect l="-928" t="-749"/>
                 </a:stretch>
               </a:blipFill>
             </p:spPr>
@@ -5568,6 +5893,42 @@
           </p:sp>
         </mc:Fallback>
       </mc:AlternateContent>
+      <p:pic>
+        <p:nvPicPr>
+          <p:cNvPr id="9" name="図 8" descr="グラフィカル ユーザー インターフェイス&#10;&#10;自動的に生成された説明">
+            <a:extLst>
+              <a:ext uri="{FF2B5EF4-FFF2-40B4-BE49-F238E27FC236}">
+                <a16:creationId xmlns:a16="http://schemas.microsoft.com/office/drawing/2014/main" id="{56557366-F7BB-F286-2A8E-A327783274E8}"/>
+              </a:ext>
+            </a:extLst>
+          </p:cNvPr>
+          <p:cNvPicPr>
+            <a:picLocks noChangeAspect="1"/>
+          </p:cNvPicPr>
+          <p:nvPr/>
+        </p:nvPicPr>
+        <p:blipFill>
+          <a:blip r:embed="rId4">
+            <a:extLst>
+              <a:ext uri="{28A0092B-C50C-407E-A947-70E740481C1C}">
+                <a14:useLocalDpi xmlns:a14="http://schemas.microsoft.com/office/drawing/2010/main" val="0"/>
+              </a:ext>
+            </a:extLst>
+          </a:blip>
+          <a:stretch>
+            <a:fillRect/>
+          </a:stretch>
+        </p:blipFill>
+        <p:spPr>
+          <a:xfrm>
+            <a:off x="7929309" y="24774"/>
+            <a:ext cx="4262691" cy="6368763"/>
+          </a:xfrm>
+          <a:prstGeom prst="rect">
+            <a:avLst/>
+          </a:prstGeom>
+        </p:spPr>
+      </p:pic>
     </p:spTree>
     <p:extLst>
       <p:ext uri="{BB962C8B-B14F-4D97-AF65-F5344CB8AC3E}">
@@ -5581,7 +5942,7 @@
 </p:sld>
 </file>
 
-<file path=ppt/slides/slide4.xml><?xml version="1.0" encoding="utf-8"?>
+<file path=ppt/slides/slide5.xml><?xml version="1.0" encoding="utf-8"?>
 <p:sld xmlns:a="http://schemas.openxmlformats.org/drawingml/2006/main" xmlns:r="http://schemas.openxmlformats.org/officeDocument/2006/relationships" xmlns:p="http://schemas.openxmlformats.org/presentationml/2006/main">
   <p:cSld>
     <p:spTree>
@@ -5682,7 +6043,7 @@
           <a:p>
             <a:fld id="{6294761A-CFE9-4878-87A7-90ECABD59CE5}" type="slidenum">
               <a:rPr kumimoji="1" lang="ja-JP" altLang="en-US" smtClean="0"/>
-              <a:t>4</a:t>
+              <a:t>5</a:t>
             </a:fld>
             <a:endParaRPr kumimoji="1" lang="ja-JP" altLang="en-US"/>
           </a:p>
@@ -6257,7 +6618,7 @@
 </p:sld>
 </file>
 
-<file path=ppt/slides/slide5.xml><?xml version="1.0" encoding="utf-8"?>
+<file path=ppt/slides/slide6.xml><?xml version="1.0" encoding="utf-8"?>
 <p:sld xmlns:a="http://schemas.openxmlformats.org/drawingml/2006/main" xmlns:r="http://schemas.openxmlformats.org/officeDocument/2006/relationships" xmlns:p="http://schemas.openxmlformats.org/presentationml/2006/main">
   <p:cSld>
     <p:spTree>
@@ -6304,20 +6665,16 @@
               <a:t>(</a:t>
             </a:r>
             <a:r>
+              <a:rPr lang="en-US" altLang="ja-JP" dirty="0"/>
+              <a:t>DC</a:t>
+            </a:r>
+            <a:r>
               <a:rPr kumimoji="1" lang="ja-JP" altLang="en-US" dirty="0"/>
-              <a:t>理想電流源</a:t>
+              <a:t>解析</a:t>
             </a:r>
             <a:r>
               <a:rPr kumimoji="1" lang="en-US" altLang="ja-JP" dirty="0"/>
-              <a:t>(</a:t>
-            </a:r>
-            <a:r>
-              <a:rPr kumimoji="1" lang="ja-JP" altLang="en-US" dirty="0"/>
-              <a:t>再掲</a:t>
-            </a:r>
-            <a:r>
-              <a:rPr kumimoji="1" lang="en-US" altLang="ja-JP" dirty="0"/>
-              <a:t>))</a:t>
+              <a:t>)</a:t>
             </a:r>
             <a:endParaRPr kumimoji="1" lang="ja-JP" altLang="en-US" dirty="0"/>
           </a:p>
@@ -6375,7 +6732,7 @@
           <a:p>
             <a:fld id="{6294761A-CFE9-4878-87A7-90ECABD59CE5}" type="slidenum">
               <a:rPr kumimoji="1" lang="ja-JP" altLang="en-US" smtClean="0"/>
-              <a:t>5</a:t>
+              <a:t>6</a:t>
             </a:fld>
             <a:endParaRPr kumimoji="1" lang="ja-JP" altLang="en-US"/>
           </a:p>
@@ -6424,8 +6781,8 @@
         </p:nvGrpSpPr>
         <p:grpSpPr>
           <a:xfrm>
-            <a:off x="2398041" y="1177869"/>
-            <a:ext cx="7395918" cy="5394927"/>
+            <a:off x="370854" y="1175146"/>
+            <a:ext cx="5441472" cy="4220719"/>
             <a:chOff x="4599910" y="1083403"/>
             <a:chExt cx="7395918" cy="5394927"/>
           </a:xfrm>
@@ -7124,178 +7481,12 @@
           </mc:Fallback>
         </mc:AlternateContent>
       </p:grpSp>
-    </p:spTree>
-    <p:extLst>
-      <p:ext uri="{BB962C8B-B14F-4D97-AF65-F5344CB8AC3E}">
-        <p14:creationId xmlns:p14="http://schemas.microsoft.com/office/powerpoint/2010/main" val="2090122652"/>
-      </p:ext>
-    </p:extLst>
-  </p:cSld>
-  <p:clrMapOvr>
-    <a:masterClrMapping/>
-  </p:clrMapOvr>
-</p:sld>
-</file>
-
-<file path=ppt/slides/slide6.xml><?xml version="1.0" encoding="utf-8"?>
-<p:sld xmlns:a="http://schemas.openxmlformats.org/drawingml/2006/main" xmlns:r="http://schemas.openxmlformats.org/officeDocument/2006/relationships" xmlns:p="http://schemas.openxmlformats.org/presentationml/2006/main">
-  <p:cSld>
-    <p:spTree>
-      <p:nvGrpSpPr>
-        <p:cNvPr id="1" name=""/>
-        <p:cNvGrpSpPr/>
-        <p:nvPr/>
-      </p:nvGrpSpPr>
-      <p:grpSpPr>
-        <a:xfrm>
-          <a:off x="0" y="0"/>
-          <a:ext cx="0" cy="0"/>
-          <a:chOff x="0" y="0"/>
-          <a:chExt cx="0" cy="0"/>
-        </a:xfrm>
-      </p:grpSpPr>
-      <p:sp>
-        <p:nvSpPr>
-          <p:cNvPr id="2" name="タイトル 1">
-            <a:extLst>
-              <a:ext uri="{FF2B5EF4-FFF2-40B4-BE49-F238E27FC236}">
-                <a16:creationId xmlns:a16="http://schemas.microsoft.com/office/drawing/2014/main" id="{9E02140F-8250-8CF7-4526-E0E105574A9B}"/>
-              </a:ext>
-            </a:extLst>
-          </p:cNvPr>
-          <p:cNvSpPr>
-            <a:spLocks noGrp="1"/>
-          </p:cNvSpPr>
-          <p:nvPr>
-            <p:ph type="title"/>
-          </p:nvPr>
-        </p:nvSpPr>
-        <p:spPr/>
-        <p:txBody>
-          <a:bodyPr/>
-          <a:lstStyle/>
-          <a:p>
-            <a:r>
-              <a:rPr kumimoji="1" lang="ja-JP" altLang="en-US" dirty="0"/>
-              <a:t>シミュレーション結果</a:t>
-            </a:r>
-            <a:r>
-              <a:rPr kumimoji="1" lang="en-US" altLang="ja-JP" dirty="0"/>
-              <a:t>(</a:t>
-            </a:r>
-            <a:r>
-              <a:rPr kumimoji="1" lang="ja-JP" altLang="en-US" dirty="0"/>
-              <a:t>理想電流源</a:t>
-            </a:r>
-            <a:r>
-              <a:rPr kumimoji="1" lang="en-US" altLang="ja-JP" dirty="0"/>
-              <a:t>(</a:t>
-            </a:r>
-            <a:r>
-              <a:rPr kumimoji="1" lang="ja-JP" altLang="en-US" dirty="0"/>
-              <a:t>再掲</a:t>
-            </a:r>
-            <a:r>
-              <a:rPr kumimoji="1" lang="en-US" altLang="ja-JP" dirty="0"/>
-              <a:t>))</a:t>
-            </a:r>
-            <a:endParaRPr kumimoji="1" lang="ja-JP" altLang="en-US" dirty="0"/>
-          </a:p>
-        </p:txBody>
-      </p:sp>
-      <p:sp>
-        <p:nvSpPr>
-          <p:cNvPr id="3" name="日付プレースホルダー 2">
-            <a:extLst>
-              <a:ext uri="{FF2B5EF4-FFF2-40B4-BE49-F238E27FC236}">
-                <a16:creationId xmlns:a16="http://schemas.microsoft.com/office/drawing/2014/main" id="{ED062FE1-D82F-1ADC-BD84-6AA00E467773}"/>
-              </a:ext>
-            </a:extLst>
-          </p:cNvPr>
-          <p:cNvSpPr>
-            <a:spLocks noGrp="1"/>
-          </p:cNvSpPr>
-          <p:nvPr>
-            <p:ph type="dt" sz="half" idx="10"/>
-          </p:nvPr>
-        </p:nvSpPr>
-        <p:spPr/>
-        <p:txBody>
-          <a:bodyPr/>
-          <a:lstStyle/>
-          <a:p>
-            <a:r>
-              <a:rPr kumimoji="1" lang="en-US" altLang="ja-JP"/>
-              <a:t>2024/4/18</a:t>
-            </a:r>
-            <a:endParaRPr kumimoji="1" lang="ja-JP" altLang="en-US"/>
-          </a:p>
-        </p:txBody>
-      </p:sp>
-      <p:sp>
-        <p:nvSpPr>
-          <p:cNvPr id="4" name="スライド番号プレースホルダー 3">
-            <a:extLst>
-              <a:ext uri="{FF2B5EF4-FFF2-40B4-BE49-F238E27FC236}">
-                <a16:creationId xmlns:a16="http://schemas.microsoft.com/office/drawing/2014/main" id="{39D10073-81A9-69FD-C3A2-80DC8F7525AB}"/>
-              </a:ext>
-            </a:extLst>
-          </p:cNvPr>
-          <p:cNvSpPr>
-            <a:spLocks noGrp="1"/>
-          </p:cNvSpPr>
-          <p:nvPr>
-            <p:ph type="sldNum" sz="quarter" idx="12"/>
-          </p:nvPr>
-        </p:nvSpPr>
-        <p:spPr/>
-        <p:txBody>
-          <a:bodyPr/>
-          <a:lstStyle/>
-          <a:p>
-            <a:fld id="{6294761A-CFE9-4878-87A7-90ECABD59CE5}" type="slidenum">
-              <a:rPr kumimoji="1" lang="ja-JP" altLang="en-US" smtClean="0"/>
-              <a:t>6</a:t>
-            </a:fld>
-            <a:endParaRPr kumimoji="1" lang="ja-JP" altLang="en-US"/>
-          </a:p>
-        </p:txBody>
-      </p:sp>
-      <p:sp>
-        <p:nvSpPr>
-          <p:cNvPr id="5" name="フッター プレースホルダー 4">
-            <a:extLst>
-              <a:ext uri="{FF2B5EF4-FFF2-40B4-BE49-F238E27FC236}">
-                <a16:creationId xmlns:a16="http://schemas.microsoft.com/office/drawing/2014/main" id="{64D2F2A2-9990-FD90-4546-EA6CA238E6F7}"/>
-              </a:ext>
-            </a:extLst>
-          </p:cNvPr>
-          <p:cNvSpPr>
-            <a:spLocks noGrp="1"/>
-          </p:cNvSpPr>
-          <p:nvPr>
-            <p:ph type="ftr" sz="quarter" idx="3"/>
-          </p:nvPr>
-        </p:nvSpPr>
-        <p:spPr/>
-        <p:txBody>
-          <a:bodyPr/>
-          <a:lstStyle/>
-          <a:p>
-            <a:r>
-              <a:rPr lang="en-US" altLang="ja-JP"/>
-              <a:t>Wave Signal Processing Circuit Laboratory,  Meiji University</a:t>
-            </a:r>
-            <a:endParaRPr lang="en-US" altLang="ja-JP" dirty="0"/>
-          </a:p>
-        </p:txBody>
-      </p:sp>
       <p:pic>
         <p:nvPicPr>
-          <p:cNvPr id="7" name="図 6" descr="グラフ&#10;&#10;自動的に生成された説明">
-            <a:extLst>
-              <a:ext uri="{FF2B5EF4-FFF2-40B4-BE49-F238E27FC236}">
-                <a16:creationId xmlns:a16="http://schemas.microsoft.com/office/drawing/2014/main" id="{7017B096-393A-114C-BFD8-B949F3749E80}"/>
+          <p:cNvPr id="8" name="図 7" descr="グラフ&#10;&#10;自動的に生成された説明">
+            <a:extLst>
+              <a:ext uri="{FF2B5EF4-FFF2-40B4-BE49-F238E27FC236}">
+                <a16:creationId xmlns:a16="http://schemas.microsoft.com/office/drawing/2014/main" id="{B2E3FC31-33AD-0D7D-0AD0-B29D7B7D263F}"/>
               </a:ext>
             </a:extLst>
           </p:cNvPr>
@@ -7305,65 +7496,147 @@
           <p:nvPr/>
         </p:nvPicPr>
         <p:blipFill rotWithShape="1">
-          <a:blip r:embed="rId2">
+          <a:blip r:embed="rId9">
             <a:extLst>
               <a:ext uri="{28A0092B-C50C-407E-A947-70E740481C1C}">
                 <a14:useLocalDpi xmlns:a14="http://schemas.microsoft.com/office/drawing/2010/main" val="0"/>
               </a:ext>
             </a:extLst>
           </a:blip>
-          <a:srcRect r="6546"/>
+          <a:srcRect r="9723"/>
           <a:stretch/>
         </p:blipFill>
         <p:spPr>
           <a:xfrm>
-            <a:off x="0" y="1477266"/>
-            <a:ext cx="6100086" cy="4569145"/>
+            <a:off x="6447119" y="1175146"/>
+            <a:ext cx="5436769" cy="4215636"/>
           </a:xfrm>
           <a:prstGeom prst="rect">
             <a:avLst/>
           </a:prstGeom>
         </p:spPr>
       </p:pic>
-      <p:pic>
-        <p:nvPicPr>
-          <p:cNvPr id="9" name="図 8" descr="グラフ&#10;&#10;自動的に生成された説明">
-            <a:extLst>
-              <a:ext uri="{FF2B5EF4-FFF2-40B4-BE49-F238E27FC236}">
-                <a16:creationId xmlns:a16="http://schemas.microsoft.com/office/drawing/2014/main" id="{4B3D46F0-1FD5-8F16-289B-B68BB32AE365}"/>
-              </a:ext>
-            </a:extLst>
-          </p:cNvPr>
-          <p:cNvPicPr>
-            <a:picLocks noChangeAspect="1"/>
-          </p:cNvPicPr>
+      <p:sp>
+        <p:nvSpPr>
+          <p:cNvPr id="9" name="テキスト ボックス 8">
+            <a:extLst>
+              <a:ext uri="{FF2B5EF4-FFF2-40B4-BE49-F238E27FC236}">
+                <a16:creationId xmlns:a16="http://schemas.microsoft.com/office/drawing/2014/main" id="{497F2A79-7D88-A532-4225-30B74AF10013}"/>
+              </a:ext>
+            </a:extLst>
+          </p:cNvPr>
+          <p:cNvSpPr txBox="1"/>
           <p:nvPr/>
-        </p:nvPicPr>
-        <p:blipFill rotWithShape="1">
-          <a:blip r:embed="rId3">
-            <a:extLst>
-              <a:ext uri="{28A0092B-C50C-407E-A947-70E740481C1C}">
-                <a14:useLocalDpi xmlns:a14="http://schemas.microsoft.com/office/drawing/2010/main" val="0"/>
-              </a:ext>
-            </a:extLst>
-          </a:blip>
-          <a:srcRect r="6546"/>
-          <a:stretch/>
-        </p:blipFill>
+        </p:nvSpPr>
         <p:spPr>
           <a:xfrm>
-            <a:off x="6091914" y="1477266"/>
-            <a:ext cx="6100086" cy="4569146"/>
+            <a:off x="1638677" y="5461626"/>
+            <a:ext cx="2973483" cy="369332"/>
           </a:xfrm>
           <a:prstGeom prst="rect">
             <a:avLst/>
           </a:prstGeom>
+          <a:noFill/>
         </p:spPr>
-      </p:pic>
+        <p:txBody>
+          <a:bodyPr wrap="square" rtlCol="0">
+            <a:spAutoFit/>
+          </a:bodyPr>
+          <a:lstStyle/>
+          <a:p>
+            <a:pPr algn="ctr"/>
+            <a:r>
+              <a:rPr lang="ja-JP" altLang="en-US" dirty="0"/>
+              <a:t>理想電流源</a:t>
+            </a:r>
+            <a:endParaRPr kumimoji="1" lang="ja-JP" altLang="en-US" dirty="0"/>
+          </a:p>
+        </p:txBody>
+      </p:sp>
+      <p:sp>
+        <p:nvSpPr>
+          <p:cNvPr id="15" name="テキスト ボックス 14">
+            <a:extLst>
+              <a:ext uri="{FF2B5EF4-FFF2-40B4-BE49-F238E27FC236}">
+                <a16:creationId xmlns:a16="http://schemas.microsoft.com/office/drawing/2014/main" id="{36C52781-F39F-84F8-8E8D-E95DF8811181}"/>
+              </a:ext>
+            </a:extLst>
+          </p:cNvPr>
+          <p:cNvSpPr txBox="1"/>
+          <p:nvPr/>
+        </p:nvSpPr>
+        <p:spPr>
+          <a:xfrm>
+            <a:off x="7962058" y="5390782"/>
+            <a:ext cx="2973483" cy="369332"/>
+          </a:xfrm>
+          <a:prstGeom prst="rect">
+            <a:avLst/>
+          </a:prstGeom>
+          <a:noFill/>
+        </p:spPr>
+        <p:txBody>
+          <a:bodyPr wrap="square" rtlCol="0">
+            <a:spAutoFit/>
+          </a:bodyPr>
+          <a:lstStyle/>
+          <a:p>
+            <a:pPr algn="ctr"/>
+            <a:r>
+              <a:rPr lang="en-US" altLang="ja-JP" dirty="0" err="1"/>
+              <a:t>p</a:t>
+            </a:r>
+            <a:r>
+              <a:rPr kumimoji="1" lang="en-US" altLang="ja-JP" dirty="0" err="1"/>
+              <a:t>mos</a:t>
+            </a:r>
+            <a:r>
+              <a:rPr kumimoji="1" lang="ja-JP" altLang="en-US" dirty="0"/>
+              <a:t>電流源</a:t>
+            </a:r>
+          </a:p>
+        </p:txBody>
+      </p:sp>
+      <p:sp>
+        <p:nvSpPr>
+          <p:cNvPr id="17" name="テキスト ボックス 16">
+            <a:extLst>
+              <a:ext uri="{FF2B5EF4-FFF2-40B4-BE49-F238E27FC236}">
+                <a16:creationId xmlns:a16="http://schemas.microsoft.com/office/drawing/2014/main" id="{AF9E28EC-BB08-10D1-587C-58EBF3AFBBFC}"/>
+              </a:ext>
+            </a:extLst>
+          </p:cNvPr>
+          <p:cNvSpPr txBox="1"/>
+          <p:nvPr/>
+        </p:nvSpPr>
+        <p:spPr>
+          <a:xfrm>
+            <a:off x="3791436" y="5964541"/>
+            <a:ext cx="5311366" cy="369332"/>
+          </a:xfrm>
+          <a:prstGeom prst="rect">
+            <a:avLst/>
+          </a:prstGeom>
+          <a:noFill/>
+        </p:spPr>
+        <p:txBody>
+          <a:bodyPr wrap="square" rtlCol="0">
+            <a:spAutoFit/>
+          </a:bodyPr>
+          <a:lstStyle/>
+          <a:p>
+            <a:r>
+              <a:rPr lang="ja-JP" altLang="en-US" dirty="0"/>
+              <a:t>直流ではほとんど変化が見られなかった。</a:t>
+            </a:r>
+            <a:endParaRPr kumimoji="1" lang="ja-JP" altLang="en-US" dirty="0"/>
+          </a:p>
+        </p:txBody>
+      </p:sp>
     </p:spTree>
     <p:extLst>
       <p:ext uri="{BB962C8B-B14F-4D97-AF65-F5344CB8AC3E}">
-        <p14:creationId xmlns:p14="http://schemas.microsoft.com/office/powerpoint/2010/main" val="3297466903"/>
+        <p14:creationId xmlns:p14="http://schemas.microsoft.com/office/powerpoint/2010/main" val="2090122652"/>
       </p:ext>
     </p:extLst>
   </p:cSld>
@@ -7395,7 +7668,7 @@
           <p:cNvPr id="2" name="タイトル 1">
             <a:extLst>
               <a:ext uri="{FF2B5EF4-FFF2-40B4-BE49-F238E27FC236}">
-                <a16:creationId xmlns:a16="http://schemas.microsoft.com/office/drawing/2014/main" id="{97160900-DE40-2B0A-0A5C-C44049532ABD}"/>
+                <a16:creationId xmlns:a16="http://schemas.microsoft.com/office/drawing/2014/main" id="{9E02140F-8250-8CF7-4526-E0E105574A9B}"/>
               </a:ext>
             </a:extLst>
           </p:cNvPr>
@@ -7420,12 +7693,12 @@
               <a:t>(</a:t>
             </a:r>
             <a:r>
-              <a:rPr kumimoji="1" lang="en-US" altLang="ja-JP" dirty="0" err="1"/>
-              <a:t>pmos</a:t>
-            </a:r>
-            <a:r>
-              <a:rPr kumimoji="1" lang="ja-JP" altLang="en-US" dirty="0"/>
-              <a:t>電流源</a:t>
+              <a:rPr lang="en-US" altLang="ja-JP" dirty="0"/>
+              <a:t>AC</a:t>
+            </a:r>
+            <a:r>
+              <a:rPr lang="ja-JP" altLang="en-US" dirty="0"/>
+              <a:t>解析</a:t>
             </a:r>
             <a:r>
               <a:rPr kumimoji="1" lang="en-US" altLang="ja-JP" dirty="0"/>
@@ -7440,7 +7713,7 @@
           <p:cNvPr id="3" name="日付プレースホルダー 2">
             <a:extLst>
               <a:ext uri="{FF2B5EF4-FFF2-40B4-BE49-F238E27FC236}">
-                <a16:creationId xmlns:a16="http://schemas.microsoft.com/office/drawing/2014/main" id="{1528FF10-1A2F-52F5-7D16-421974F27922}"/>
+                <a16:creationId xmlns:a16="http://schemas.microsoft.com/office/drawing/2014/main" id="{ED062FE1-D82F-1ADC-BD84-6AA00E467773}"/>
               </a:ext>
             </a:extLst>
           </p:cNvPr>
@@ -7469,7 +7742,7 @@
           <p:cNvPr id="4" name="スライド番号プレースホルダー 3">
             <a:extLst>
               <a:ext uri="{FF2B5EF4-FFF2-40B4-BE49-F238E27FC236}">
-                <a16:creationId xmlns:a16="http://schemas.microsoft.com/office/drawing/2014/main" id="{24DB92B3-7523-F3E5-B961-3CFFC5F2D531}"/>
+                <a16:creationId xmlns:a16="http://schemas.microsoft.com/office/drawing/2014/main" id="{39D10073-81A9-69FD-C3A2-80DC8F7525AB}"/>
               </a:ext>
             </a:extLst>
           </p:cNvPr>
@@ -7498,7 +7771,7 @@
           <p:cNvPr id="5" name="フッター プレースホルダー 4">
             <a:extLst>
               <a:ext uri="{FF2B5EF4-FFF2-40B4-BE49-F238E27FC236}">
-                <a16:creationId xmlns:a16="http://schemas.microsoft.com/office/drawing/2014/main" id="{2D1DE876-5311-1E80-69A1-1FF075318904}"/>
+                <a16:creationId xmlns:a16="http://schemas.microsoft.com/office/drawing/2014/main" id="{64D2F2A2-9990-FD90-4546-EA6CA238E6F7}"/>
               </a:ext>
             </a:extLst>
           </p:cNvPr>
@@ -7527,7 +7800,7 @@
           <p:cNvPr id="7" name="図 6" descr="グラフ&#10;&#10;自動的に生成された説明">
             <a:extLst>
               <a:ext uri="{FF2B5EF4-FFF2-40B4-BE49-F238E27FC236}">
-                <a16:creationId xmlns:a16="http://schemas.microsoft.com/office/drawing/2014/main" id="{B2E3FC31-33AD-0D7D-0AD0-B29D7B7D263F}"/>
+                <a16:creationId xmlns:a16="http://schemas.microsoft.com/office/drawing/2014/main" id="{7017B096-393A-114C-BFD8-B949F3749E80}"/>
               </a:ext>
             </a:extLst>
           </p:cNvPr>
@@ -7544,25 +7817,60 @@
               </a:ext>
             </a:extLst>
           </a:blip>
-          <a:srcRect r="9723"/>
+          <a:srcRect r="6546"/>
           <a:stretch/>
         </p:blipFill>
         <p:spPr>
           <a:xfrm>
-            <a:off x="370853" y="1136892"/>
-            <a:ext cx="6828077" cy="5294447"/>
+            <a:off x="0" y="1144428"/>
+            <a:ext cx="6100086" cy="4569145"/>
           </a:xfrm>
           <a:prstGeom prst="rect">
             <a:avLst/>
           </a:prstGeom>
         </p:spPr>
       </p:pic>
-      <p:sp>
-        <p:nvSpPr>
-          <p:cNvPr id="16" name="テキスト ボックス 15">
-            <a:extLst>
-              <a:ext uri="{FF2B5EF4-FFF2-40B4-BE49-F238E27FC236}">
-                <a16:creationId xmlns:a16="http://schemas.microsoft.com/office/drawing/2014/main" id="{2A4B2CD3-79E5-A7DC-BC6C-A165AFEDDC82}"/>
+      <p:pic>
+        <p:nvPicPr>
+          <p:cNvPr id="6" name="図 5" descr="グラフ が含まれている画像&#10;&#10;自動的に生成された説明">
+            <a:extLst>
+              <a:ext uri="{FF2B5EF4-FFF2-40B4-BE49-F238E27FC236}">
+                <a16:creationId xmlns:a16="http://schemas.microsoft.com/office/drawing/2014/main" id="{7B131FAC-5F82-E5B7-7739-5AC6503F5E93}"/>
+              </a:ext>
+            </a:extLst>
+          </p:cNvPr>
+          <p:cNvPicPr>
+            <a:picLocks noChangeAspect="1"/>
+          </p:cNvPicPr>
+          <p:nvPr/>
+        </p:nvPicPr>
+        <p:blipFill rotWithShape="1">
+          <a:blip r:embed="rId3">
+            <a:extLst>
+              <a:ext uri="{28A0092B-C50C-407E-A947-70E740481C1C}">
+                <a14:useLocalDpi xmlns:a14="http://schemas.microsoft.com/office/drawing/2010/main" val="0"/>
+              </a:ext>
+            </a:extLst>
+          </a:blip>
+          <a:srcRect r="6901"/>
+          <a:stretch/>
+        </p:blipFill>
+        <p:spPr>
+          <a:xfrm>
+            <a:off x="6096000" y="1144427"/>
+            <a:ext cx="6076954" cy="4569145"/>
+          </a:xfrm>
+          <a:prstGeom prst="rect">
+            <a:avLst/>
+          </a:prstGeom>
+        </p:spPr>
+      </p:pic>
+      <p:sp>
+        <p:nvSpPr>
+          <p:cNvPr id="8" name="テキスト ボックス 7">
+            <a:extLst>
+              <a:ext uri="{FF2B5EF4-FFF2-40B4-BE49-F238E27FC236}">
+                <a16:creationId xmlns:a16="http://schemas.microsoft.com/office/drawing/2014/main" id="{2B5B3338-E693-8DEA-E20B-9C56A5507188}"/>
               </a:ext>
             </a:extLst>
           </p:cNvPr>
@@ -7571,8 +7879,8 @@
         </p:nvSpPr>
         <p:spPr>
           <a:xfrm>
-            <a:off x="7557247" y="3429000"/>
-            <a:ext cx="3478306" cy="369332"/>
+            <a:off x="1638677" y="5748742"/>
+            <a:ext cx="2973483" cy="369332"/>
           </a:xfrm>
           <a:prstGeom prst="rect">
             <a:avLst/>
@@ -7585,18 +7893,99 @@
           </a:bodyPr>
           <a:lstStyle/>
           <a:p>
+            <a:pPr algn="ctr"/>
             <a:r>
               <a:rPr lang="ja-JP" altLang="en-US" dirty="0"/>
-              <a:t>直流特性はほぼ変化なし。</a:t>
+              <a:t>理想電流源</a:t>
             </a:r>
             <a:endParaRPr kumimoji="1" lang="ja-JP" altLang="en-US" dirty="0"/>
+          </a:p>
+        </p:txBody>
+      </p:sp>
+      <p:sp>
+        <p:nvSpPr>
+          <p:cNvPr id="10" name="テキスト ボックス 9">
+            <a:extLst>
+              <a:ext uri="{FF2B5EF4-FFF2-40B4-BE49-F238E27FC236}">
+                <a16:creationId xmlns:a16="http://schemas.microsoft.com/office/drawing/2014/main" id="{E285F493-7C54-B368-EF3D-625D64ABE681}"/>
+              </a:ext>
+            </a:extLst>
+          </p:cNvPr>
+          <p:cNvSpPr txBox="1"/>
+          <p:nvPr/>
+        </p:nvSpPr>
+        <p:spPr>
+          <a:xfrm>
+            <a:off x="7962058" y="5677898"/>
+            <a:ext cx="2973483" cy="369332"/>
+          </a:xfrm>
+          <a:prstGeom prst="rect">
+            <a:avLst/>
+          </a:prstGeom>
+          <a:noFill/>
+        </p:spPr>
+        <p:txBody>
+          <a:bodyPr wrap="square" rtlCol="0">
+            <a:spAutoFit/>
+          </a:bodyPr>
+          <a:lstStyle/>
+          <a:p>
+            <a:pPr algn="ctr"/>
+            <a:r>
+              <a:rPr lang="en-US" altLang="ja-JP" dirty="0" err="1"/>
+              <a:t>p</a:t>
+            </a:r>
+            <a:r>
+              <a:rPr kumimoji="1" lang="en-US" altLang="ja-JP" dirty="0" err="1"/>
+              <a:t>mos</a:t>
+            </a:r>
+            <a:r>
+              <a:rPr kumimoji="1" lang="ja-JP" altLang="en-US" dirty="0"/>
+              <a:t>電流源</a:t>
+            </a:r>
+          </a:p>
+        </p:txBody>
+      </p:sp>
+      <p:sp>
+        <p:nvSpPr>
+          <p:cNvPr id="11" name="テキスト ボックス 10">
+            <a:extLst>
+              <a:ext uri="{FF2B5EF4-FFF2-40B4-BE49-F238E27FC236}">
+                <a16:creationId xmlns:a16="http://schemas.microsoft.com/office/drawing/2014/main" id="{ED86B261-87AD-9B55-80CF-E6C6786AEEBD}"/>
+              </a:ext>
+            </a:extLst>
+          </p:cNvPr>
+          <p:cNvSpPr txBox="1"/>
+          <p:nvPr/>
+        </p:nvSpPr>
+        <p:spPr>
+          <a:xfrm>
+            <a:off x="2407342" y="6125347"/>
+            <a:ext cx="7377316" cy="369332"/>
+          </a:xfrm>
+          <a:prstGeom prst="rect">
+            <a:avLst/>
+          </a:prstGeom>
+          <a:noFill/>
+        </p:spPr>
+        <p:txBody>
+          <a:bodyPr wrap="square" rtlCol="0">
+            <a:spAutoFit/>
+          </a:bodyPr>
+          <a:lstStyle/>
+          <a:p>
+            <a:pPr algn="ctr"/>
+            <a:r>
+              <a:rPr kumimoji="1" lang="ja-JP" altLang="en-US" dirty="0"/>
+              <a:t>若干利得は大きくなったが遮断周波数はほぼ変化なし。</a:t>
+            </a:r>
           </a:p>
         </p:txBody>
       </p:sp>
     </p:spTree>
     <p:extLst>
       <p:ext uri="{BB962C8B-B14F-4D97-AF65-F5344CB8AC3E}">
-        <p14:creationId xmlns:p14="http://schemas.microsoft.com/office/powerpoint/2010/main" val="3095121307"/>
+        <p14:creationId xmlns:p14="http://schemas.microsoft.com/office/powerpoint/2010/main" val="3297466903"/>
       </p:ext>
     </p:extLst>
   </p:cSld>
@@ -7628,7 +8017,7 @@
           <p:cNvPr id="2" name="タイトル 1">
             <a:extLst>
               <a:ext uri="{FF2B5EF4-FFF2-40B4-BE49-F238E27FC236}">
-                <a16:creationId xmlns:a16="http://schemas.microsoft.com/office/drawing/2014/main" id="{88FC8DA3-0161-8CFF-8805-AB0511B7E65C}"/>
+                <a16:creationId xmlns:a16="http://schemas.microsoft.com/office/drawing/2014/main" id="{97160900-DE40-2B0A-0A5C-C44049532ABD}"/>
               </a:ext>
             </a:extLst>
           </p:cNvPr>
@@ -7653,12 +8042,12 @@
               <a:t>(</a:t>
             </a:r>
             <a:r>
-              <a:rPr kumimoji="1" lang="en-US" altLang="ja-JP" dirty="0" err="1"/>
-              <a:t>pmos</a:t>
-            </a:r>
-            <a:r>
-              <a:rPr kumimoji="1" lang="ja-JP" altLang="en-US" dirty="0"/>
-              <a:t>電流源</a:t>
+              <a:rPr lang="en-US" altLang="ja-JP" dirty="0"/>
+              <a:t>AC</a:t>
+            </a:r>
+            <a:r>
+              <a:rPr lang="ja-JP" altLang="en-US" dirty="0"/>
+              <a:t>解析</a:t>
             </a:r>
             <a:r>
               <a:rPr kumimoji="1" lang="en-US" altLang="ja-JP" dirty="0"/>
@@ -7673,7 +8062,7 @@
           <p:cNvPr id="3" name="日付プレースホルダー 2">
             <a:extLst>
               <a:ext uri="{FF2B5EF4-FFF2-40B4-BE49-F238E27FC236}">
-                <a16:creationId xmlns:a16="http://schemas.microsoft.com/office/drawing/2014/main" id="{1A1869F2-41C2-CC0A-7F0A-878FC6D73037}"/>
+                <a16:creationId xmlns:a16="http://schemas.microsoft.com/office/drawing/2014/main" id="{1528FF10-1A2F-52F5-7D16-421974F27922}"/>
               </a:ext>
             </a:extLst>
           </p:cNvPr>
@@ -7702,7 +8091,7 @@
           <p:cNvPr id="4" name="スライド番号プレースホルダー 3">
             <a:extLst>
               <a:ext uri="{FF2B5EF4-FFF2-40B4-BE49-F238E27FC236}">
-                <a16:creationId xmlns:a16="http://schemas.microsoft.com/office/drawing/2014/main" id="{8746DB24-1EFE-2E2D-B60A-B393871970EE}"/>
+                <a16:creationId xmlns:a16="http://schemas.microsoft.com/office/drawing/2014/main" id="{24DB92B3-7523-F3E5-B961-3CFFC5F2D531}"/>
               </a:ext>
             </a:extLst>
           </p:cNvPr>
@@ -7731,7 +8120,7 @@
           <p:cNvPr id="5" name="フッター プレースホルダー 4">
             <a:extLst>
               <a:ext uri="{FF2B5EF4-FFF2-40B4-BE49-F238E27FC236}">
-                <a16:creationId xmlns:a16="http://schemas.microsoft.com/office/drawing/2014/main" id="{2B845902-14A6-80AB-952C-C3C0114158CD}"/>
+                <a16:creationId xmlns:a16="http://schemas.microsoft.com/office/drawing/2014/main" id="{2D1DE876-5311-1E80-69A1-1FF075318904}"/>
               </a:ext>
             </a:extLst>
           </p:cNvPr>
@@ -7757,10 +8146,10 @@
       </p:sp>
       <p:pic>
         <p:nvPicPr>
-          <p:cNvPr id="7" name="図 6" descr="グラフ が含まれている画像&#10;&#10;自動的に生成された説明">
-            <a:extLst>
-              <a:ext uri="{FF2B5EF4-FFF2-40B4-BE49-F238E27FC236}">
-                <a16:creationId xmlns:a16="http://schemas.microsoft.com/office/drawing/2014/main" id="{7B131FAC-5F82-E5B7-7739-5AC6503F5E93}"/>
+          <p:cNvPr id="6" name="図 5" descr="グラフ&#10;&#10;自動的に生成された説明">
+            <a:extLst>
+              <a:ext uri="{FF2B5EF4-FFF2-40B4-BE49-F238E27FC236}">
+                <a16:creationId xmlns:a16="http://schemas.microsoft.com/office/drawing/2014/main" id="{5B3EB853-3593-6293-87BA-0C2612ED4EC4}"/>
               </a:ext>
             </a:extLst>
           </p:cNvPr>
@@ -7782,8 +8171,8 @@
         </p:blipFill>
         <p:spPr>
           <a:xfrm>
-            <a:off x="194318" y="1241551"/>
-            <a:ext cx="5818606" cy="4374898"/>
+            <a:off x="6072868" y="1144427"/>
+            <a:ext cx="6076955" cy="4569146"/>
           </a:xfrm>
           <a:prstGeom prst="rect">
             <a:avLst/>
@@ -7795,7 +8184,7 @@
           <p:cNvPr id="9" name="図 8" descr="グラフ&#10;&#10;自動的に生成された説明">
             <a:extLst>
               <a:ext uri="{FF2B5EF4-FFF2-40B4-BE49-F238E27FC236}">
-                <a16:creationId xmlns:a16="http://schemas.microsoft.com/office/drawing/2014/main" id="{5C845A3F-0175-3034-E8D4-588057168BF4}"/>
+                <a16:creationId xmlns:a16="http://schemas.microsoft.com/office/drawing/2014/main" id="{4B3D46F0-1FD5-8F16-289B-B68BB32AE365}"/>
               </a:ext>
             </a:extLst>
           </p:cNvPr>
@@ -7812,13 +8201,13 @@
               </a:ext>
             </a:extLst>
           </a:blip>
-          <a:srcRect r="6901"/>
+          <a:srcRect r="6546"/>
           <a:stretch/>
         </p:blipFill>
         <p:spPr>
           <a:xfrm>
-            <a:off x="6096000" y="1241551"/>
-            <a:ext cx="5818606" cy="4374898"/>
+            <a:off x="0" y="1144427"/>
+            <a:ext cx="6100086" cy="4569146"/>
           </a:xfrm>
           <a:prstGeom prst="rect">
             <a:avLst/>
@@ -7827,10 +8216,10 @@
       </p:pic>
       <p:sp>
         <p:nvSpPr>
-          <p:cNvPr id="10" name="テキスト ボックス 9">
-            <a:extLst>
-              <a:ext uri="{FF2B5EF4-FFF2-40B4-BE49-F238E27FC236}">
-                <a16:creationId xmlns:a16="http://schemas.microsoft.com/office/drawing/2014/main" id="{FC16C2BB-013F-66F2-B743-9759929EFCB2}"/>
+          <p:cNvPr id="8" name="テキスト ボックス 7">
+            <a:extLst>
+              <a:ext uri="{FF2B5EF4-FFF2-40B4-BE49-F238E27FC236}">
+                <a16:creationId xmlns:a16="http://schemas.microsoft.com/office/drawing/2014/main" id="{B8A016AA-C751-0EAA-2FB8-59C2970C56FE}"/>
               </a:ext>
             </a:extLst>
           </p:cNvPr>
@@ -7839,8 +8228,8 @@
         </p:nvSpPr>
         <p:spPr>
           <a:xfrm>
-            <a:off x="1600200" y="5925671"/>
-            <a:ext cx="8991600" cy="369332"/>
+            <a:off x="1563301" y="5713573"/>
+            <a:ext cx="2973483" cy="369332"/>
           </a:xfrm>
           <a:prstGeom prst="rect">
             <a:avLst/>
@@ -7855,8 +8244,89 @@
           <a:p>
             <a:pPr algn="ctr"/>
             <a:r>
+              <a:rPr lang="ja-JP" altLang="en-US" dirty="0"/>
+              <a:t>理想電流源</a:t>
+            </a:r>
+            <a:endParaRPr kumimoji="1" lang="ja-JP" altLang="en-US" dirty="0"/>
+          </a:p>
+        </p:txBody>
+      </p:sp>
+      <p:sp>
+        <p:nvSpPr>
+          <p:cNvPr id="10" name="テキスト ボックス 9">
+            <a:extLst>
+              <a:ext uri="{FF2B5EF4-FFF2-40B4-BE49-F238E27FC236}">
+                <a16:creationId xmlns:a16="http://schemas.microsoft.com/office/drawing/2014/main" id="{6CB3065A-7C7D-D612-19E2-D96678A2046B}"/>
+              </a:ext>
+            </a:extLst>
+          </p:cNvPr>
+          <p:cNvSpPr txBox="1"/>
+          <p:nvPr/>
+        </p:nvSpPr>
+        <p:spPr>
+          <a:xfrm>
+            <a:off x="7962058" y="5713573"/>
+            <a:ext cx="2973483" cy="369332"/>
+          </a:xfrm>
+          <a:prstGeom prst="rect">
+            <a:avLst/>
+          </a:prstGeom>
+          <a:noFill/>
+        </p:spPr>
+        <p:txBody>
+          <a:bodyPr wrap="square" rtlCol="0">
+            <a:spAutoFit/>
+          </a:bodyPr>
+          <a:lstStyle/>
+          <a:p>
+            <a:pPr algn="ctr"/>
+            <a:r>
+              <a:rPr lang="en-US" altLang="ja-JP" dirty="0" err="1"/>
+              <a:t>p</a:t>
+            </a:r>
+            <a:r>
+              <a:rPr kumimoji="1" lang="en-US" altLang="ja-JP" dirty="0" err="1"/>
+              <a:t>mos</a:t>
+            </a:r>
+            <a:r>
               <a:rPr kumimoji="1" lang="ja-JP" altLang="en-US" dirty="0"/>
-              <a:t>理想電流源に比べゲインが少し下がっていたが大きく性能が劣化してはいない。</a:t>
+              <a:t>電流源</a:t>
+            </a:r>
+          </a:p>
+        </p:txBody>
+      </p:sp>
+      <p:sp>
+        <p:nvSpPr>
+          <p:cNvPr id="11" name="テキスト ボックス 10">
+            <a:extLst>
+              <a:ext uri="{FF2B5EF4-FFF2-40B4-BE49-F238E27FC236}">
+                <a16:creationId xmlns:a16="http://schemas.microsoft.com/office/drawing/2014/main" id="{1A6D3506-2283-8BFA-FBA4-0687C66336EC}"/>
+              </a:ext>
+            </a:extLst>
+          </p:cNvPr>
+          <p:cNvSpPr txBox="1"/>
+          <p:nvPr/>
+        </p:nvSpPr>
+        <p:spPr>
+          <a:xfrm>
+            <a:off x="3665144" y="6108308"/>
+            <a:ext cx="4861711" cy="369332"/>
+          </a:xfrm>
+          <a:prstGeom prst="rect">
+            <a:avLst/>
+          </a:prstGeom>
+          <a:noFill/>
+        </p:spPr>
+        <p:txBody>
+          <a:bodyPr wrap="square" rtlCol="0">
+            <a:spAutoFit/>
+          </a:bodyPr>
+          <a:lstStyle/>
+          <a:p>
+            <a:pPr algn="ctr"/>
+            <a:r>
+              <a:rPr kumimoji="1" lang="ja-JP" altLang="en-US" dirty="0"/>
+              <a:t>位相特性はほとんど変化しなかった。</a:t>
             </a:r>
           </a:p>
         </p:txBody>
@@ -7864,7 +8334,7 @@
     </p:spTree>
     <p:extLst>
       <p:ext uri="{BB962C8B-B14F-4D97-AF65-F5344CB8AC3E}">
-        <p14:creationId xmlns:p14="http://schemas.microsoft.com/office/powerpoint/2010/main" val="2861911150"/>
+        <p14:creationId xmlns:p14="http://schemas.microsoft.com/office/powerpoint/2010/main" val="3095121307"/>
       </p:ext>
     </p:extLst>
   </p:cSld>
@@ -7896,7 +8366,7 @@
           <p:cNvPr id="2" name="タイトル 1">
             <a:extLst>
               <a:ext uri="{FF2B5EF4-FFF2-40B4-BE49-F238E27FC236}">
-                <a16:creationId xmlns:a16="http://schemas.microsoft.com/office/drawing/2014/main" id="{BD19DC20-658A-2064-94E3-57577CAF4C19}"/>
+                <a16:creationId xmlns:a16="http://schemas.microsoft.com/office/drawing/2014/main" id="{88FC8DA3-0161-8CFF-8805-AB0511B7E65C}"/>
               </a:ext>
             </a:extLst>
           </p:cNvPr>
@@ -7913,14 +8383,8 @@
           <a:lstStyle/>
           <a:p>
             <a:r>
-              <a:rPr kumimoji="1" lang="ja-JP" altLang="en-US" b="1" i="0" dirty="0">
-                <a:latin typeface="+mj-lt"/>
-              </a:rPr>
-              <a:t>入力</a:t>
-            </a:r>
-            <a:r>
               <a:rPr kumimoji="1" lang="ja-JP" altLang="en-US" dirty="0"/>
-              <a:t>範囲</a:t>
+              <a:t>まとめ</a:t>
             </a:r>
           </a:p>
         </p:txBody>
@@ -7930,7 +8394,7 @@
           <p:cNvPr id="3" name="日付プレースホルダー 2">
             <a:extLst>
               <a:ext uri="{FF2B5EF4-FFF2-40B4-BE49-F238E27FC236}">
-                <a16:creationId xmlns:a16="http://schemas.microsoft.com/office/drawing/2014/main" id="{EDC95965-99A5-4290-D57E-3A2779438700}"/>
+                <a16:creationId xmlns:a16="http://schemas.microsoft.com/office/drawing/2014/main" id="{1A1869F2-41C2-CC0A-7F0A-878FC6D73037}"/>
               </a:ext>
             </a:extLst>
           </p:cNvPr>
@@ -7946,10 +8410,10 @@
           <a:bodyPr/>
           <a:lstStyle/>
           <a:p>
-            <a:fld id="{D960D7A0-95E9-4E80-AEE1-2416C3BC5BFF}" type="datetime1">
-              <a:rPr kumimoji="1" lang="ja-JP" altLang="en-US" smtClean="0"/>
+            <a:r>
+              <a:rPr kumimoji="1" lang="en-US" altLang="ja-JP"/>
               <a:t>2024/4/18</a:t>
-            </a:fld>
+            </a:r>
             <a:endParaRPr kumimoji="1" lang="ja-JP" altLang="en-US"/>
           </a:p>
         </p:txBody>
@@ -7959,7 +8423,7 @@
           <p:cNvPr id="4" name="スライド番号プレースホルダー 3">
             <a:extLst>
               <a:ext uri="{FF2B5EF4-FFF2-40B4-BE49-F238E27FC236}">
-                <a16:creationId xmlns:a16="http://schemas.microsoft.com/office/drawing/2014/main" id="{96ED5FD6-F76D-3094-8B03-0187FC1E22AF}"/>
+                <a16:creationId xmlns:a16="http://schemas.microsoft.com/office/drawing/2014/main" id="{8746DB24-1EFE-2E2D-B60A-B393871970EE}"/>
               </a:ext>
             </a:extLst>
           </p:cNvPr>
@@ -7988,7 +8452,7 @@
           <p:cNvPr id="5" name="フッター プレースホルダー 4">
             <a:extLst>
               <a:ext uri="{FF2B5EF4-FFF2-40B4-BE49-F238E27FC236}">
-                <a16:creationId xmlns:a16="http://schemas.microsoft.com/office/drawing/2014/main" id="{001ED9EC-0AB5-BD1B-2346-546D40C798C0}"/>
+                <a16:creationId xmlns:a16="http://schemas.microsoft.com/office/drawing/2014/main" id="{2B845902-14A6-80AB-952C-C3C0114158CD}"/>
               </a:ext>
             </a:extLst>
           </p:cNvPr>
@@ -8012,236 +8476,64 @@
           </a:p>
         </p:txBody>
       </p:sp>
-      <p:pic>
-        <p:nvPicPr>
-          <p:cNvPr id="14" name="図 13" descr="グラフ, 折れ線グラフ&#10;&#10;自動的に生成された説明">
-            <a:extLst>
-              <a:ext uri="{FF2B5EF4-FFF2-40B4-BE49-F238E27FC236}">
-                <a16:creationId xmlns:a16="http://schemas.microsoft.com/office/drawing/2014/main" id="{659670C8-ACB5-7C5D-4F90-16C540A52078}"/>
-              </a:ext>
-            </a:extLst>
-          </p:cNvPr>
-          <p:cNvPicPr>
-            <a:picLocks noChangeAspect="1"/>
-          </p:cNvPicPr>
+      <p:sp>
+        <p:nvSpPr>
+          <p:cNvPr id="6" name="テキスト ボックス 5">
+            <a:extLst>
+              <a:ext uri="{FF2B5EF4-FFF2-40B4-BE49-F238E27FC236}">
+                <a16:creationId xmlns:a16="http://schemas.microsoft.com/office/drawing/2014/main" id="{EA762BE2-26A4-B658-6BAA-28D3404DA15A}"/>
+              </a:ext>
+            </a:extLst>
+          </p:cNvPr>
+          <p:cNvSpPr txBox="1"/>
           <p:nvPr/>
-        </p:nvPicPr>
-        <p:blipFill rotWithShape="1">
-          <a:blip r:embed="rId2">
-            <a:extLst>
-              <a:ext uri="{28A0092B-C50C-407E-A947-70E740481C1C}">
-                <a14:useLocalDpi xmlns:a14="http://schemas.microsoft.com/office/drawing/2010/main" val="0"/>
-              </a:ext>
-            </a:extLst>
-          </a:blip>
-          <a:srcRect r="12933"/>
-          <a:stretch/>
-        </p:blipFill>
+        </p:nvSpPr>
         <p:spPr>
           <a:xfrm>
-            <a:off x="5648944" y="1223715"/>
-            <a:ext cx="6207859" cy="4990968"/>
+            <a:off x="1337649" y="2660731"/>
+            <a:ext cx="9516701" cy="2246769"/>
           </a:xfrm>
           <a:prstGeom prst="rect">
             <a:avLst/>
           </a:prstGeom>
+          <a:noFill/>
         </p:spPr>
-      </p:pic>
-      <mc:AlternateContent xmlns:mc="http://schemas.openxmlformats.org/markup-compatibility/2006">
-        <mc:Choice xmlns:a14="http://schemas.microsoft.com/office/drawing/2010/main" Requires="a14">
-          <p:sp>
-            <p:nvSpPr>
-              <p:cNvPr id="6" name="テキスト ボックス 5">
-                <a:extLst>
-                  <a:ext uri="{FF2B5EF4-FFF2-40B4-BE49-F238E27FC236}">
-                    <a16:creationId xmlns:a16="http://schemas.microsoft.com/office/drawing/2014/main" id="{D585CB10-4439-B44F-97E8-528FC2640C0B}"/>
-                  </a:ext>
-                </a:extLst>
-              </p:cNvPr>
-              <p:cNvSpPr txBox="1"/>
-              <p:nvPr/>
-            </p:nvSpPr>
-            <p:spPr>
-              <a:xfrm>
-                <a:off x="370854" y="2284511"/>
-                <a:ext cx="4993626" cy="2585323"/>
-              </a:xfrm>
-              <a:prstGeom prst="rect">
-                <a:avLst/>
-              </a:prstGeom>
-              <a:noFill/>
-            </p:spPr>
-            <p:txBody>
-              <a:bodyPr wrap="square" rtlCol="0">
-                <a:spAutoFit/>
-              </a:bodyPr>
-              <a:lstStyle/>
-              <a:p>
-                <a14:m>
-                  <m:oMath xmlns:m="http://schemas.openxmlformats.org/officeDocument/2006/math">
-                    <m:sSub>
-                      <m:sSubPr>
-                        <m:ctrlPr>
-                          <a:rPr kumimoji="1" lang="en-US" altLang="ja-JP" b="0" i="1" smtClean="0">
-                            <a:latin typeface="Cambria Math" panose="02040503050406030204" pitchFamily="18" charset="0"/>
-                          </a:rPr>
-                        </m:ctrlPr>
-                      </m:sSubPr>
-                      <m:e>
-                        <m:r>
-                          <a:rPr kumimoji="1" lang="en-US" altLang="ja-JP" b="0" i="1" smtClean="0">
-                            <a:latin typeface="Cambria Math" panose="02040503050406030204" pitchFamily="18" charset="0"/>
-                          </a:rPr>
-                          <m:t>𝐼</m:t>
-                        </m:r>
-                      </m:e>
-                      <m:sub>
-                        <m:r>
-                          <a:rPr kumimoji="1" lang="en-US" altLang="ja-JP" b="0" i="1" smtClean="0">
-                            <a:latin typeface="Cambria Math" panose="02040503050406030204" pitchFamily="18" charset="0"/>
-                          </a:rPr>
-                          <m:t>𝐶</m:t>
-                        </m:r>
-                      </m:sub>
-                    </m:sSub>
-                    <m:r>
-                      <a:rPr kumimoji="1" lang="en-US" altLang="ja-JP" b="0" i="1" smtClean="0">
-                        <a:latin typeface="Cambria Math" panose="02040503050406030204" pitchFamily="18" charset="0"/>
-                      </a:rPr>
-                      <m:t>−</m:t>
-                    </m:r>
-                    <m:sSub>
-                      <m:sSubPr>
-                        <m:ctrlPr>
-                          <a:rPr kumimoji="1" lang="en-US" altLang="ja-JP" b="0" i="1" smtClean="0">
-                            <a:latin typeface="Cambria Math" panose="02040503050406030204" pitchFamily="18" charset="0"/>
-                          </a:rPr>
-                        </m:ctrlPr>
-                      </m:sSubPr>
-                      <m:e>
-                        <m:r>
-                          <a:rPr kumimoji="1" lang="en-US" altLang="ja-JP" b="0" i="1" smtClean="0">
-                            <a:latin typeface="Cambria Math" panose="02040503050406030204" pitchFamily="18" charset="0"/>
-                          </a:rPr>
-                          <m:t>𝑉</m:t>
-                        </m:r>
-                      </m:e>
-                      <m:sub>
-                        <m:r>
-                          <a:rPr kumimoji="1" lang="en-US" altLang="ja-JP" b="0" i="1" smtClean="0">
-                            <a:latin typeface="Cambria Math" panose="02040503050406030204" pitchFamily="18" charset="0"/>
-                          </a:rPr>
-                          <m:t>𝐵𝐸</m:t>
-                        </m:r>
-                      </m:sub>
-                    </m:sSub>
-                  </m:oMath>
-                </a14:m>
-                <a:r>
-                  <a:rPr kumimoji="1" lang="ja-JP" altLang="en-US" dirty="0"/>
-                  <a:t>特性を近似すると</a:t>
-                </a:r>
-                <a14:m>
-                  <m:oMath xmlns:m="http://schemas.openxmlformats.org/officeDocument/2006/math">
-                    <m:r>
-                      <a:rPr kumimoji="1" lang="en-US" altLang="ja-JP" b="0" i="1" smtClean="0">
-                        <a:latin typeface="Cambria Math" panose="02040503050406030204" pitchFamily="18" charset="0"/>
-                      </a:rPr>
-                      <m:t>0.8 </m:t>
-                    </m:r>
-                    <m:r>
-                      <a:rPr kumimoji="1" lang="en-US" altLang="ja-JP" b="0" i="1" smtClean="0">
-                        <a:latin typeface="Cambria Math" panose="02040503050406030204" pitchFamily="18" charset="0"/>
-                      </a:rPr>
-                      <m:t>𝑉</m:t>
-                    </m:r>
-                  </m:oMath>
-                </a14:m>
-                <a:r>
-                  <a:rPr kumimoji="1" lang="ja-JP" altLang="en-US" dirty="0"/>
-                  <a:t>程度までしか指数特性で近似できない。</a:t>
-                </a:r>
-                <a:endParaRPr kumimoji="1" lang="en-US" altLang="ja-JP" dirty="0"/>
-              </a:p>
-              <a:p>
-                <a:endParaRPr lang="en-US" altLang="ja-JP" dirty="0"/>
-              </a:p>
-              <a:p>
-                <a:r>
-                  <a:rPr kumimoji="1" lang="ja-JP" altLang="en-US" dirty="0"/>
-                  <a:t>⇒これより大きい範囲では線形な乗算はできない。</a:t>
-                </a:r>
-                <a:endParaRPr kumimoji="1" lang="en-US" altLang="ja-JP" dirty="0"/>
-              </a:p>
-              <a:p>
-                <a:endParaRPr lang="en-US" altLang="ja-JP" dirty="0"/>
-              </a:p>
-              <a:p>
-                <a:r>
-                  <a:rPr kumimoji="1" lang="ja-JP" altLang="en-US" dirty="0"/>
-                  <a:t>したがって入力範囲を大きくすることは難しい。</a:t>
-                </a:r>
-                <a:endParaRPr kumimoji="1" lang="en-US" altLang="ja-JP" dirty="0"/>
-              </a:p>
-              <a:p>
-                <a:r>
-                  <a:rPr lang="ja-JP" altLang="en-US" dirty="0"/>
-                  <a:t>出力範囲は電流を増やすことで増幅率を大きくできるので、検討する。</a:t>
-                </a:r>
-                <a:endParaRPr kumimoji="1" lang="ja-JP" altLang="en-US" dirty="0"/>
-              </a:p>
-            </p:txBody>
-          </p:sp>
-        </mc:Choice>
-        <mc:Fallback>
-          <p:sp>
-            <p:nvSpPr>
-              <p:cNvPr id="6" name="テキスト ボックス 5">
-                <a:extLst>
-                  <a:ext uri="{FF2B5EF4-FFF2-40B4-BE49-F238E27FC236}">
-                    <a16:creationId xmlns:a16="http://schemas.microsoft.com/office/drawing/2014/main" id="{D585CB10-4439-B44F-97E8-528FC2640C0B}"/>
-                  </a:ext>
-                </a:extLst>
-              </p:cNvPr>
-              <p:cNvSpPr txBox="1">
-                <a:spLocks noRot="1" noChangeAspect="1" noMove="1" noResize="1" noEditPoints="1" noAdjustHandles="1" noChangeArrowheads="1" noChangeShapeType="1" noTextEdit="1"/>
-              </p:cNvSpPr>
-              <p:nvPr/>
-            </p:nvSpPr>
-            <p:spPr>
-              <a:xfrm>
-                <a:off x="370854" y="2284511"/>
-                <a:ext cx="4993626" cy="2585323"/>
-              </a:xfrm>
-              <a:prstGeom prst="rect">
-                <a:avLst/>
-              </a:prstGeom>
-              <a:blipFill>
-                <a:blip r:embed="rId3"/>
-                <a:stretch>
-                  <a:fillRect l="-1099" t="-1179" r="-5372" b="-2830"/>
-                </a:stretch>
-              </a:blipFill>
-            </p:spPr>
-            <p:txBody>
-              <a:bodyPr/>
-              <a:lstStyle/>
-              <a:p>
-                <a:r>
-                  <a:rPr lang="ja-JP" altLang="en-US">
-                    <a:noFill/>
-                  </a:rPr>
-                  <a:t> </a:t>
-                </a:r>
-              </a:p>
-            </p:txBody>
-          </p:sp>
-        </mc:Fallback>
-      </mc:AlternateContent>
+        <p:txBody>
+          <a:bodyPr wrap="square" rtlCol="0">
+            <a:spAutoFit/>
+          </a:bodyPr>
+          <a:lstStyle/>
+          <a:p>
+            <a:r>
+              <a:rPr kumimoji="1" lang="ja-JP" altLang="en-US" sz="2800" dirty="0"/>
+              <a:t>・理想素子の電流源を</a:t>
+            </a:r>
+            <a:r>
+              <a:rPr kumimoji="1" lang="en-US" altLang="ja-JP" sz="2800" dirty="0" err="1"/>
+              <a:t>pmos</a:t>
+            </a:r>
+            <a:r>
+              <a:rPr kumimoji="1" lang="ja-JP" altLang="en-US" sz="2800" dirty="0"/>
+              <a:t>電流源に置き換えたが、性能はほとんど変化しなかった。</a:t>
+            </a:r>
+            <a:endParaRPr kumimoji="1" lang="en-US" altLang="ja-JP" sz="2800" dirty="0"/>
+          </a:p>
+          <a:p>
+            <a:endParaRPr lang="en-US" altLang="ja-JP" sz="2800" dirty="0"/>
+          </a:p>
+          <a:p>
+            <a:r>
+              <a:rPr kumimoji="1" lang="ja-JP" altLang="en-US" sz="2800" dirty="0"/>
+              <a:t>・この構成でも現実的なサイズや直流バイアスなどで作ることができそうだと分かった。</a:t>
+            </a:r>
+            <a:endParaRPr kumimoji="1" lang="en-US" altLang="ja-JP" sz="2800" dirty="0"/>
+          </a:p>
+        </p:txBody>
+      </p:sp>
     </p:spTree>
     <p:extLst>
       <p:ext uri="{BB962C8B-B14F-4D97-AF65-F5344CB8AC3E}">
-        <p14:creationId xmlns:p14="http://schemas.microsoft.com/office/powerpoint/2010/main" val="825555070"/>
+        <p14:creationId xmlns:p14="http://schemas.microsoft.com/office/powerpoint/2010/main" val="2861911150"/>
       </p:ext>
     </p:extLst>
   </p:cSld>

--- a/IHP_2024/20240418/20240418小島光.pptx
+++ b/IHP_2024/20240418/20240418小島光.pptx
@@ -5308,10 +5308,10 @@
       </p:sp>
       <p:pic>
         <p:nvPicPr>
-          <p:cNvPr id="9" name="図 8" descr="グラフィカル ユーザー インターフェイス, アプリケーション, Teams&#10;&#10;自動的に生成された説明">
-            <a:extLst>
-              <a:ext uri="{FF2B5EF4-FFF2-40B4-BE49-F238E27FC236}">
-                <a16:creationId xmlns:a16="http://schemas.microsoft.com/office/drawing/2014/main" id="{8DC66914-4684-78EA-712A-298728D6695A}"/>
+          <p:cNvPr id="14" name="図 13" descr="グラフィカル ユーザー インターフェイス, アプリケーション, Teams&#10;&#10;自動的に生成された説明">
+            <a:extLst>
+              <a:ext uri="{FF2B5EF4-FFF2-40B4-BE49-F238E27FC236}">
+                <a16:creationId xmlns:a16="http://schemas.microsoft.com/office/drawing/2014/main" id="{347CC563-5EFF-BEA1-1AB9-A53C2911875A}"/>
               </a:ext>
             </a:extLst>
           </p:cNvPr>
@@ -5334,8 +5334,8 @@
         </p:blipFill>
         <p:spPr>
           <a:xfrm>
-            <a:off x="2590781" y="1318458"/>
-            <a:ext cx="9601219" cy="4946914"/>
+            <a:off x="2581637" y="1288382"/>
+            <a:ext cx="9610363" cy="4946914"/>
           </a:xfrm>
           <a:prstGeom prst="rect">
             <a:avLst/>
@@ -5527,8 +5527,8 @@
           </a:prstGeom>
         </p:spPr>
       </p:pic>
-      <mc:AlternateContent xmlns:mc="http://schemas.openxmlformats.org/markup-compatibility/2006">
-        <mc:Choice xmlns:a14="http://schemas.microsoft.com/office/drawing/2010/main" Requires="a14">
+      <mc:AlternateContent xmlns:mc="http://schemas.openxmlformats.org/markup-compatibility/2006" xmlns:a14="http://schemas.microsoft.com/office/drawing/2010/main">
+        <mc:Choice Requires="a14">
           <p:sp>
             <p:nvSpPr>
               <p:cNvPr id="8" name="テキスト ボックス 7">
@@ -5848,7 +5848,7 @@
             </p:txBody>
           </p:sp>
         </mc:Choice>
-        <mc:Fallback>
+        <mc:Fallback xmlns="">
           <p:sp>
             <p:nvSpPr>
               <p:cNvPr id="8" name="テキスト ボックス 7">
